--- a/Microservice.pptx
+++ b/Microservice.pptx
@@ -5,7 +5,7 @@
     <p:sldMasterId id="2147483648" r:id="rId1"/>
   </p:sldMasterIdLst>
   <p:notesMasterIdLst>
-    <p:notesMasterId r:id="rId20"/>
+    <p:notesMasterId r:id="rId22"/>
   </p:notesMasterIdLst>
   <p:sldIdLst>
     <p:sldId id="256" r:id="rId2"/>
@@ -22,10 +22,12 @@
     <p:sldId id="270" r:id="rId13"/>
     <p:sldId id="273" r:id="rId14"/>
     <p:sldId id="266" r:id="rId15"/>
-    <p:sldId id="268" r:id="rId16"/>
-    <p:sldId id="271" r:id="rId17"/>
-    <p:sldId id="272" r:id="rId18"/>
-    <p:sldId id="258" r:id="rId19"/>
+    <p:sldId id="274" r:id="rId16"/>
+    <p:sldId id="268" r:id="rId17"/>
+    <p:sldId id="271" r:id="rId18"/>
+    <p:sldId id="275" r:id="rId19"/>
+    <p:sldId id="272" r:id="rId20"/>
+    <p:sldId id="258" r:id="rId21"/>
   </p:sldIdLst>
   <p:sldSz cx="9144000" cy="6858000" type="screen4x3"/>
   <p:notesSz cx="6858000" cy="9144000"/>
@@ -4248,15 +4250,7 @@
           <a:p>
             <a:r>
               <a:rPr lang="en-US" altLang="zh-TW" dirty="0" smtClean="0"/>
-              <a:t>Where is XXX </a:t>
-            </a:r>
-            <a:r>
-              <a:rPr lang="en-US" altLang="zh-TW" dirty="0" smtClean="0"/>
-              <a:t>service </a:t>
-            </a:r>
-            <a:r>
-              <a:rPr lang="en-US" altLang="zh-TW" dirty="0" smtClean="0"/>
-              <a:t>? What’s the IP ?</a:t>
+              <a:t>Where is XXX service ? What’s the IP ?</a:t>
             </a:r>
           </a:p>
           <a:p>
@@ -4265,11 +4259,7 @@
           <a:p>
             <a:r>
               <a:rPr lang="en-US" altLang="zh-TW" dirty="0" smtClean="0"/>
-              <a:t>Who is </a:t>
-            </a:r>
-            <a:r>
-              <a:rPr lang="en-US" altLang="zh-TW" dirty="0" smtClean="0"/>
-              <a:t>online</a:t>
+              <a:t>Who is online</a:t>
             </a:r>
             <a:r>
               <a:rPr lang="zh-TW" altLang="en-US" dirty="0" smtClean="0"/>
@@ -4399,7 +4389,6 @@
               <a:rPr lang="en-US" altLang="zh-TW" dirty="0" smtClean="0"/>
               <a:t>Registering when service started</a:t>
             </a:r>
-            <a:endParaRPr lang="en-US" altLang="zh-TW" dirty="0" smtClean="0"/>
           </a:p>
           <a:p>
             <a:r>
@@ -4426,11 +4415,7 @@
             </a:r>
             <a:r>
               <a:rPr lang="en-US" altLang="zh-TW" dirty="0" smtClean="0"/>
-              <a:t> </a:t>
-            </a:r>
-            <a:r>
-              <a:rPr lang="en-US" altLang="zh-TW" dirty="0" smtClean="0"/>
-              <a:t>Any service </a:t>
+              <a:t> Any service </a:t>
             </a:r>
             <a:r>
               <a:rPr lang="en-US" altLang="zh-TW" dirty="0" smtClean="0">
@@ -4709,6 +4694,11 @@
               <a:alpha val="20000"/>
             </a:schemeClr>
           </a:solidFill>
+          <a:ln w="3175" cap="rnd">
+            <a:solidFill>
+              <a:schemeClr val="tx1"/>
+            </a:solidFill>
+          </a:ln>
         </p:spPr>
         <p:txBody>
           <a:bodyPr vert="horz" lIns="91440" tIns="45720" rIns="91440" bIns="45720" rtlCol="0">
@@ -5004,6 +4994,156 @@
             <p:ph type="title"/>
           </p:nvPr>
         </p:nvSpPr>
+        <p:spPr/>
+        <p:txBody>
+          <a:bodyPr/>
+          <a:lstStyle/>
+          <a:p>
+            <a:r>
+              <a:rPr lang="en-US" altLang="zh-TW" dirty="0" smtClean="0"/>
+              <a:t>DIY 1 – Sharing Session Data</a:t>
+            </a:r>
+            <a:endParaRPr lang="zh-TW" altLang="en-US" dirty="0"/>
+          </a:p>
+        </p:txBody>
+      </p:sp>
+      <p:sp>
+        <p:nvSpPr>
+          <p:cNvPr id="3" name="內容版面配置區 2"/>
+          <p:cNvSpPr>
+            <a:spLocks noGrp="1"/>
+          </p:cNvSpPr>
+          <p:nvPr>
+            <p:ph idx="1"/>
+          </p:nvPr>
+        </p:nvSpPr>
+        <p:spPr>
+          <a:xfrm>
+            <a:off x="457200" y="1412777"/>
+            <a:ext cx="8435280" cy="3672407"/>
+          </a:xfrm>
+        </p:spPr>
+        <p:txBody>
+          <a:bodyPr>
+            <a:normAutofit lnSpcReduction="10000"/>
+          </a:bodyPr>
+          <a:lstStyle/>
+          <a:p>
+            <a:r>
+              <a:rPr lang="en-US" altLang="zh-TW" dirty="0" smtClean="0"/>
+              <a:t>Using</a:t>
+            </a:r>
+            <a:r>
+              <a:rPr lang="en-US" altLang="zh-TW" dirty="0" smtClean="0">
+                <a:solidFill>
+                  <a:srgbClr val="FF0000"/>
+                </a:solidFill>
+              </a:rPr>
+              <a:t> In-App Memory</a:t>
+            </a:r>
+          </a:p>
+          <a:p>
+            <a:r>
+              <a:rPr lang="en-US" altLang="zh-TW" dirty="0" smtClean="0">
+                <a:hlinkClick r:id="rId2"/>
+              </a:rPr>
+              <a:t>https</a:t>
+            </a:r>
+            <a:r>
+              <a:rPr lang="en-US" altLang="zh-TW" dirty="0" smtClean="0">
+                <a:hlinkClick r:id="rId2"/>
+              </a:rPr>
+              <a:t>://</a:t>
+            </a:r>
+            <a:r>
+              <a:rPr lang="en-US" altLang="zh-TW" dirty="0" smtClean="0">
+                <a:hlinkClick r:id="rId2"/>
+              </a:rPr>
+              <a:t>github.com/jimliu7434/microservice-sample/blob/master/model/session_local.js</a:t>
+            </a:r>
+            <a:endParaRPr lang="en-US" altLang="zh-TW" dirty="0" smtClean="0"/>
+          </a:p>
+          <a:p>
+            <a:endParaRPr lang="en-US" altLang="zh-TW" dirty="0" smtClean="0">
+              <a:hlinkClick r:id="rId3"/>
+            </a:endParaRPr>
+          </a:p>
+          <a:p>
+            <a:r>
+              <a:rPr lang="en-US" altLang="zh-TW" dirty="0" smtClean="0"/>
+              <a:t>Using </a:t>
+            </a:r>
+            <a:r>
+              <a:rPr lang="en-US" altLang="zh-TW" b="1" dirty="0" smtClean="0">
+                <a:solidFill>
+                  <a:srgbClr val="FF0000"/>
+                </a:solidFill>
+              </a:rPr>
+              <a:t>Redis</a:t>
+            </a:r>
+            <a:endParaRPr lang="en-US" altLang="zh-TW" b="1" dirty="0" smtClean="0">
+              <a:solidFill>
+                <a:srgbClr val="FF0000"/>
+              </a:solidFill>
+              <a:hlinkClick r:id="rId3"/>
+            </a:endParaRPr>
+          </a:p>
+          <a:p>
+            <a:r>
+              <a:rPr lang="en-US" altLang="zh-TW" dirty="0" smtClean="0">
+                <a:hlinkClick r:id="rId3"/>
+              </a:rPr>
+              <a:t>https</a:t>
+            </a:r>
+            <a:r>
+              <a:rPr lang="en-US" altLang="zh-TW" dirty="0" smtClean="0">
+                <a:hlinkClick r:id="rId3"/>
+              </a:rPr>
+              <a:t>://github.com/jimliu7434/microservice-sample/blob/master/model/session_redis.js</a:t>
+            </a:r>
+            <a:endParaRPr lang="en-US" altLang="zh-TW" dirty="0">
+              <a:solidFill>
+                <a:srgbClr val="FF0000"/>
+              </a:solidFill>
+            </a:endParaRPr>
+          </a:p>
+        </p:txBody>
+      </p:sp>
+    </p:spTree>
+  </p:cSld>
+  <p:clrMapOvr>
+    <a:masterClrMapping/>
+  </p:clrMapOvr>
+</p:sld>
+</file>
+
+<file path=ppt/slides/slide17.xml><?xml version="1.0" encoding="utf-8"?>
+<p:sld xmlns:a="http://schemas.openxmlformats.org/drawingml/2006/main" xmlns:r="http://schemas.openxmlformats.org/officeDocument/2006/relationships" xmlns:p="http://schemas.openxmlformats.org/presentationml/2006/main">
+  <p:cSld>
+    <p:spTree>
+      <p:nvGrpSpPr>
+        <p:cNvPr id="1" name=""/>
+        <p:cNvGrpSpPr/>
+        <p:nvPr/>
+      </p:nvGrpSpPr>
+      <p:grpSpPr>
+        <a:xfrm>
+          <a:off x="0" y="0"/>
+          <a:ext cx="0" cy="0"/>
+          <a:chOff x="0" y="0"/>
+          <a:chExt cx="0" cy="0"/>
+        </a:xfrm>
+      </p:grpSpPr>
+      <p:sp>
+        <p:nvSpPr>
+          <p:cNvPr id="2" name="標題 1"/>
+          <p:cNvSpPr>
+            <a:spLocks noGrp="1"/>
+          </p:cNvSpPr>
+          <p:nvPr>
+            <p:ph type="title"/>
+          </p:nvPr>
+        </p:nvSpPr>
         <p:spPr>
           <a:xfrm>
             <a:off x="251520" y="274638"/>
@@ -5096,6 +5236,11 @@
               <a:alpha val="20000"/>
             </a:schemeClr>
           </a:solidFill>
+          <a:ln w="3175" cap="rnd">
+            <a:solidFill>
+              <a:schemeClr val="tx1"/>
+            </a:solidFill>
+          </a:ln>
         </p:spPr>
         <p:txBody>
           <a:bodyPr vert="horz" lIns="91440" tIns="45720" rIns="91440" bIns="45720" rtlCol="0">
@@ -5395,7 +5540,7 @@
         </p:blipFill>
         <p:spPr bwMode="auto">
           <a:xfrm>
-            <a:off x="4571999" y="2564904"/>
+            <a:off x="4572000" y="2348880"/>
             <a:ext cx="4203189" cy="4104456"/>
           </a:xfrm>
           <a:prstGeom prst="rect">
@@ -5410,135 +5555,6 @@
           </a:ln>
         </p:spPr>
       </p:pic>
-    </p:spTree>
-  </p:cSld>
-  <p:clrMapOvr>
-    <a:masterClrMapping/>
-  </p:clrMapOvr>
-</p:sld>
-</file>
-
-<file path=ppt/slides/slide17.xml><?xml version="1.0" encoding="utf-8"?>
-<p:sld xmlns:a="http://schemas.openxmlformats.org/drawingml/2006/main" xmlns:r="http://schemas.openxmlformats.org/officeDocument/2006/relationships" xmlns:p="http://schemas.openxmlformats.org/presentationml/2006/main">
-  <p:cSld>
-    <p:spTree>
-      <p:nvGrpSpPr>
-        <p:cNvPr id="1" name=""/>
-        <p:cNvGrpSpPr/>
-        <p:nvPr/>
-      </p:nvGrpSpPr>
-      <p:grpSpPr>
-        <a:xfrm>
-          <a:off x="0" y="0"/>
-          <a:ext cx="0" cy="0"/>
-          <a:chOff x="0" y="0"/>
-          <a:chExt cx="0" cy="0"/>
-        </a:xfrm>
-      </p:grpSpPr>
-      <p:sp>
-        <p:nvSpPr>
-          <p:cNvPr id="2" name="標題 1"/>
-          <p:cNvSpPr>
-            <a:spLocks noGrp="1"/>
-          </p:cNvSpPr>
-          <p:nvPr>
-            <p:ph type="title"/>
-          </p:nvPr>
-        </p:nvSpPr>
-        <p:spPr/>
-        <p:txBody>
-          <a:bodyPr>
-            <a:normAutofit fontScale="90000"/>
-          </a:bodyPr>
-          <a:lstStyle/>
-          <a:p>
-            <a:r>
-              <a:rPr lang="en-US" altLang="zh-TW" dirty="0" smtClean="0"/>
-              <a:t>DIY 3 – Who is online/offline (Service Discovery)</a:t>
-            </a:r>
-            <a:endParaRPr lang="zh-TW" altLang="en-US" dirty="0"/>
-          </a:p>
-        </p:txBody>
-      </p:sp>
-      <p:sp>
-        <p:nvSpPr>
-          <p:cNvPr id="3" name="內容版面配置區 2"/>
-          <p:cNvSpPr>
-            <a:spLocks noGrp="1"/>
-          </p:cNvSpPr>
-          <p:nvPr>
-            <p:ph idx="1"/>
-          </p:nvPr>
-        </p:nvSpPr>
-        <p:spPr>
-          <a:xfrm>
-            <a:off x="467544" y="1844824"/>
-            <a:ext cx="8363272" cy="2808312"/>
-          </a:xfrm>
-        </p:spPr>
-        <p:txBody>
-          <a:bodyPr>
-            <a:normAutofit fontScale="92500"/>
-          </a:bodyPr>
-          <a:lstStyle/>
-          <a:p>
-            <a:r>
-              <a:rPr lang="en-US" altLang="zh-TW" dirty="0" smtClean="0"/>
-              <a:t>Using Redis </a:t>
-            </a:r>
-            <a:r>
-              <a:rPr lang="en-US" altLang="zh-TW" dirty="0" smtClean="0">
-                <a:solidFill>
-                  <a:srgbClr val="FF0000"/>
-                </a:solidFill>
-              </a:rPr>
-              <a:t>Pub/Sub</a:t>
-            </a:r>
-            <a:r>
-              <a:rPr lang="en-US" altLang="zh-TW" dirty="0" smtClean="0"/>
-              <a:t> </a:t>
-            </a:r>
-          </a:p>
-          <a:p>
-            <a:r>
-              <a:rPr lang="en-US" altLang="zh-TW" dirty="0" smtClean="0">
-                <a:solidFill>
-                  <a:srgbClr val="FF0000"/>
-                </a:solidFill>
-              </a:rPr>
-              <a:t>Without </a:t>
-            </a:r>
-            <a:r>
-              <a:rPr lang="en-US" altLang="zh-TW" dirty="0" err="1" smtClean="0">
-                <a:solidFill>
-                  <a:srgbClr val="FF0000"/>
-                </a:solidFill>
-              </a:rPr>
-              <a:t>setInterval</a:t>
-            </a:r>
-            <a:r>
-              <a:rPr lang="en-US" altLang="zh-TW" dirty="0" smtClean="0"/>
-              <a:t> in code</a:t>
-            </a:r>
-          </a:p>
-          <a:p>
-            <a:endParaRPr lang="en-US" altLang="zh-TW" dirty="0" smtClean="0"/>
-          </a:p>
-          <a:p>
-            <a:r>
-              <a:rPr lang="en-US" altLang="zh-TW" dirty="0" smtClean="0"/>
-              <a:t>Ex: </a:t>
-            </a:r>
-            <a:r>
-              <a:rPr lang="en-US" altLang="zh-TW" dirty="0" smtClean="0">
-                <a:hlinkClick r:id="rId2"/>
-              </a:rPr>
-              <a:t>https://github.com/jimliu7434/microservice-sample/blob/master/service/pods2.js</a:t>
-            </a:r>
-            <a:endParaRPr lang="en-US" altLang="zh-TW" dirty="0"/>
-          </a:p>
-        </p:txBody>
-      </p:sp>
     </p:spTree>
   </p:cSld>
   <p:clrMapOvr>
@@ -5574,14 +5590,21 @@
             <p:ph type="title"/>
           </p:nvPr>
         </p:nvSpPr>
-        <p:spPr/>
-        <p:txBody>
-          <a:bodyPr/>
-          <a:lstStyle/>
-          <a:p>
-            <a:r>
-              <a:rPr lang="en-US" altLang="zh-TW" dirty="0" smtClean="0"/>
-              <a:t>Ref.</a:t>
+        <p:spPr>
+          <a:xfrm>
+            <a:off x="251520" y="274638"/>
+            <a:ext cx="8435280" cy="1143000"/>
+          </a:xfrm>
+        </p:spPr>
+        <p:txBody>
+          <a:bodyPr>
+            <a:normAutofit fontScale="90000"/>
+          </a:bodyPr>
+          <a:lstStyle/>
+          <a:p>
+            <a:r>
+              <a:rPr lang="en-US" altLang="zh-TW" dirty="0" smtClean="0"/>
+              <a:t>DIY 2 – Who is online (Service Discovery)</a:t>
             </a:r>
             <a:endParaRPr lang="zh-TW" altLang="en-US" dirty="0"/>
           </a:p>
@@ -5597,71 +5620,212 @@
             <p:ph idx="1"/>
           </p:nvPr>
         </p:nvSpPr>
-        <p:spPr/>
+        <p:spPr>
+          <a:xfrm>
+            <a:off x="323528" y="1412777"/>
+            <a:ext cx="8496944" cy="2376263"/>
+          </a:xfrm>
+        </p:spPr>
         <p:txBody>
           <a:bodyPr>
-            <a:normAutofit fontScale="77500" lnSpcReduction="20000"/>
+            <a:normAutofit/>
           </a:bodyPr>
           <a:lstStyle/>
+          <a:p>
+            <a:r>
+              <a:rPr lang="en-US" altLang="zh-TW" dirty="0" smtClean="0"/>
+              <a:t>Using </a:t>
+            </a:r>
+            <a:r>
+              <a:rPr lang="en-US" altLang="zh-TW" b="1" dirty="0" smtClean="0">
+                <a:solidFill>
+                  <a:srgbClr val="FF0000"/>
+                </a:solidFill>
+              </a:rPr>
+              <a:t>Redis</a:t>
+            </a:r>
+          </a:p>
+          <a:p>
+            <a:r>
+              <a:rPr lang="en-US" altLang="zh-TW" dirty="0" smtClean="0"/>
+              <a:t>Using</a:t>
+            </a:r>
+            <a:r>
+              <a:rPr lang="en-US" altLang="zh-TW" dirty="0" smtClean="0">
+                <a:solidFill>
+                  <a:srgbClr val="FF0000"/>
+                </a:solidFill>
+              </a:rPr>
+              <a:t> </a:t>
+            </a:r>
+            <a:r>
+              <a:rPr lang="en-US" altLang="zh-TW" dirty="0" err="1" smtClean="0">
+                <a:solidFill>
+                  <a:srgbClr val="FF0000"/>
+                </a:solidFill>
+              </a:rPr>
+              <a:t>setInterval</a:t>
+            </a:r>
+            <a:r>
+              <a:rPr lang="en-US" altLang="zh-TW" dirty="0" smtClean="0"/>
+              <a:t> to get List</a:t>
+            </a:r>
+            <a:endParaRPr lang="en-US" altLang="zh-TW" dirty="0" smtClean="0"/>
+          </a:p>
           <a:p>
             <a:r>
               <a:rPr lang="en-US" altLang="zh-TW" dirty="0" smtClean="0">
                 <a:hlinkClick r:id="rId2"/>
               </a:rPr>
-              <a:t>https://columns.chicken-house.net/2016/09/15/microservice-case-study-01/#operating-team-application-maintainess</a:t>
+              <a:t>https://github.com/jimliu7434/microservice-sample/blob/master/service/pods1.js</a:t>
+            </a:r>
+            <a:endParaRPr lang="en-US" altLang="zh-TW" dirty="0"/>
+          </a:p>
+        </p:txBody>
+      </p:sp>
+    </p:spTree>
+  </p:cSld>
+  <p:clrMapOvr>
+    <a:masterClrMapping/>
+  </p:clrMapOvr>
+</p:sld>
+</file>
+
+<file path=ppt/slides/slide19.xml><?xml version="1.0" encoding="utf-8"?>
+<p:sld xmlns:a="http://schemas.openxmlformats.org/drawingml/2006/main" xmlns:r="http://schemas.openxmlformats.org/officeDocument/2006/relationships" xmlns:p="http://schemas.openxmlformats.org/presentationml/2006/main">
+  <p:cSld>
+    <p:spTree>
+      <p:nvGrpSpPr>
+        <p:cNvPr id="1" name=""/>
+        <p:cNvGrpSpPr/>
+        <p:nvPr/>
+      </p:nvGrpSpPr>
+      <p:grpSpPr>
+        <a:xfrm>
+          <a:off x="0" y="0"/>
+          <a:ext cx="0" cy="0"/>
+          <a:chOff x="0" y="0"/>
+          <a:chExt cx="0" cy="0"/>
+        </a:xfrm>
+      </p:grpSpPr>
+      <p:sp>
+        <p:nvSpPr>
+          <p:cNvPr id="2" name="標題 1"/>
+          <p:cNvSpPr>
+            <a:spLocks noGrp="1"/>
+          </p:cNvSpPr>
+          <p:nvPr>
+            <p:ph type="title"/>
+          </p:nvPr>
+        </p:nvSpPr>
+        <p:spPr/>
+        <p:txBody>
+          <a:bodyPr>
+            <a:normAutofit fontScale="90000"/>
+          </a:bodyPr>
+          <a:lstStyle/>
+          <a:p>
+            <a:r>
+              <a:rPr lang="en-US" altLang="zh-TW" dirty="0" smtClean="0"/>
+              <a:t>DIY 3 – Who is online/offline (Service Discovery)</a:t>
+            </a:r>
+            <a:endParaRPr lang="zh-TW" altLang="en-US" dirty="0"/>
+          </a:p>
+        </p:txBody>
+      </p:sp>
+      <p:sp>
+        <p:nvSpPr>
+          <p:cNvPr id="3" name="內容版面配置區 2"/>
+          <p:cNvSpPr>
+            <a:spLocks noGrp="1"/>
+          </p:cNvSpPr>
+          <p:nvPr>
+            <p:ph idx="1"/>
+          </p:nvPr>
+        </p:nvSpPr>
+        <p:spPr>
+          <a:xfrm>
+            <a:off x="467544" y="1844824"/>
+            <a:ext cx="8363272" cy="2808312"/>
+          </a:xfrm>
+        </p:spPr>
+        <p:txBody>
+          <a:bodyPr>
+            <a:normAutofit fontScale="92500" lnSpcReduction="20000"/>
+          </a:bodyPr>
+          <a:lstStyle/>
+          <a:p>
+            <a:r>
+              <a:rPr lang="en-US" altLang="zh-TW" dirty="0" smtClean="0"/>
+              <a:t>Using </a:t>
+            </a:r>
+            <a:r>
+              <a:rPr lang="en-US" altLang="zh-TW" b="1" dirty="0" smtClean="0"/>
+              <a:t>Redis </a:t>
+            </a:r>
+            <a:r>
+              <a:rPr lang="en-US" altLang="zh-TW" b="1" dirty="0" smtClean="0">
+                <a:solidFill>
+                  <a:srgbClr val="FF0000"/>
+                </a:solidFill>
+              </a:rPr>
+              <a:t>Pub/Sub</a:t>
+            </a:r>
+            <a:r>
+              <a:rPr lang="en-US" altLang="zh-TW" dirty="0" smtClean="0"/>
+              <a:t> </a:t>
+            </a:r>
+          </a:p>
+          <a:p>
+            <a:r>
+              <a:rPr lang="en-US" altLang="zh-TW" dirty="0" smtClean="0">
+                <a:solidFill>
+                  <a:srgbClr val="FF0000"/>
+                </a:solidFill>
+              </a:rPr>
+              <a:t>Without </a:t>
+            </a:r>
+            <a:r>
+              <a:rPr lang="en-US" altLang="zh-TW" dirty="0" err="1" smtClean="0">
+                <a:solidFill>
+                  <a:srgbClr val="FF0000"/>
+                </a:solidFill>
+              </a:rPr>
+              <a:t>setInterval</a:t>
+            </a:r>
+            <a:r>
+              <a:rPr lang="en-US" altLang="zh-TW" dirty="0" smtClean="0"/>
+              <a:t> in </a:t>
+            </a:r>
+            <a:r>
+              <a:rPr lang="en-US" altLang="zh-TW" dirty="0" smtClean="0"/>
+              <a:t>code</a:t>
+            </a:r>
+          </a:p>
+          <a:p>
+            <a:r>
+              <a:rPr lang="en-US" altLang="zh-TW" dirty="0" smtClean="0"/>
+              <a:t>Only be triggered when someone go Up or Down</a:t>
             </a:r>
             <a:endParaRPr lang="en-US" altLang="zh-TW" dirty="0" smtClean="0"/>
           </a:p>
           <a:p>
+            <a:endParaRPr lang="en-US" altLang="zh-TW" dirty="0" smtClean="0"/>
+          </a:p>
+          <a:p>
             <a:r>
               <a:rPr lang="en-US" altLang="zh-TW" dirty="0" smtClean="0">
-                <a:hlinkClick r:id="rId3"/>
+                <a:hlinkClick r:id="rId2"/>
               </a:rPr>
-              <a:t>https://docs.microsoft.com/zh-tw/dotnet/standard/microservices-architecture/architect-microservice-container-applications/microservices-architecture</a:t>
-            </a:r>
-            <a:endParaRPr lang="en-US" altLang="zh-TW" dirty="0" smtClean="0"/>
-          </a:p>
-          <a:p>
+              <a:t>https</a:t>
+            </a:r>
             <a:r>
               <a:rPr lang="en-US" altLang="zh-TW" dirty="0" smtClean="0">
-                <a:hlinkClick r:id="rId4"/>
+                <a:hlinkClick r:id="rId2"/>
               </a:rPr>
-              <a:t>https://www.codeproject.com/Articles/1276639/Microservice-using-ASP-NET-Core</a:t>
-            </a:r>
-            <a:endParaRPr lang="en-US" altLang="zh-TW" dirty="0" smtClean="0"/>
-          </a:p>
-          <a:p>
-            <a:r>
-              <a:rPr lang="en-US" altLang="zh-TW" dirty="0" smtClean="0">
-                <a:hlinkClick r:id="rId5"/>
-              </a:rPr>
-              <a:t>https://www.carlrippon.com/scalable-and-performant-asp-net-core-web-apis-microservices/</a:t>
-            </a:r>
-            <a:endParaRPr lang="en-US" altLang="zh-TW" dirty="0" smtClean="0"/>
-          </a:p>
-          <a:p>
-            <a:r>
-              <a:rPr lang="en-US" altLang="zh-TW" dirty="0" smtClean="0">
-                <a:hlinkClick r:id="rId6"/>
-              </a:rPr>
-              <a:t>https://36kr.com/p/5104897</a:t>
-            </a:r>
-            <a:endParaRPr lang="en-US" altLang="zh-TW" dirty="0" smtClean="0"/>
-          </a:p>
-          <a:p>
-            <a:r>
-              <a:rPr lang="en-US" altLang="zh-TW" dirty="0" smtClean="0">
-                <a:hlinkClick r:id="rId7"/>
-              </a:rPr>
-              <a:t>https://redis.io/</a:t>
-            </a:r>
-            <a:endParaRPr lang="en-US" altLang="zh-TW" dirty="0" smtClean="0"/>
-          </a:p>
-          <a:p>
-            <a:endParaRPr lang="en-US" altLang="zh-TW" dirty="0" smtClean="0"/>
-          </a:p>
-          <a:p>
-            <a:endParaRPr lang="zh-TW" altLang="en-US" dirty="0"/>
+              <a:t>://github.com/jimliu7434/microservice-sample/blob/master/service/pods2.js</a:t>
+            </a:r>
+            <a:endParaRPr lang="en-US" altLang="zh-TW" dirty="0"/>
           </a:p>
         </p:txBody>
       </p:sp>
@@ -5714,15 +5878,7 @@
           <a:p>
             <a:r>
               <a:rPr lang="en-US" altLang="zh-TW" dirty="0" smtClean="0"/>
-              <a:t>Monolithic </a:t>
-            </a:r>
-            <a:r>
-              <a:rPr lang="en-US" altLang="zh-TW" dirty="0" smtClean="0"/>
-              <a:t>vs</a:t>
-            </a:r>
-            <a:r>
-              <a:rPr lang="en-US" altLang="zh-TW" dirty="0" smtClean="0"/>
-              <a:t>. Microservice</a:t>
+              <a:t>Monolithic vs. Microservice</a:t>
             </a:r>
           </a:p>
           <a:p>
@@ -5731,7 +5887,6 @@
               <a:rPr lang="en-US" altLang="zh-TW" dirty="0" smtClean="0"/>
               <a:t>Ex1</a:t>
             </a:r>
-            <a:endParaRPr lang="en-US" altLang="zh-TW" dirty="0" smtClean="0"/>
           </a:p>
           <a:p>
             <a:pPr lvl="1"/>
@@ -5739,7 +5894,6 @@
               <a:rPr lang="en-US" altLang="zh-TW" dirty="0" smtClean="0"/>
               <a:t>Ex2</a:t>
             </a:r>
-            <a:endParaRPr lang="en-US" altLang="zh-TW" dirty="0" smtClean="0"/>
           </a:p>
           <a:p>
             <a:r>
@@ -5750,11 +5904,7 @@
           <a:p>
             <a:r>
               <a:rPr lang="en-US" altLang="zh-TW" dirty="0" smtClean="0"/>
-              <a:t>Sharing Info Between </a:t>
-            </a:r>
-            <a:r>
-              <a:rPr lang="en-US" altLang="zh-TW" dirty="0" smtClean="0"/>
-              <a:t>Services</a:t>
+              <a:t>Sharing Info Between Services</a:t>
             </a:r>
           </a:p>
           <a:p>
@@ -5762,7 +5912,6 @@
               <a:rPr lang="en-US" altLang="zh-TW" dirty="0" smtClean="0"/>
               <a:t>Service Discovery</a:t>
             </a:r>
-            <a:endParaRPr lang="en-US" altLang="zh-TW" dirty="0" smtClean="0"/>
           </a:p>
           <a:p>
             <a:r>
@@ -5794,11 +5943,7 @@
           <a:p>
             <a:r>
               <a:rPr lang="en-US" altLang="zh-TW" dirty="0" smtClean="0"/>
-              <a:t>Tool : Message </a:t>
-            </a:r>
-            <a:r>
-              <a:rPr lang="en-US" altLang="zh-TW" dirty="0" smtClean="0"/>
-              <a:t>Queue</a:t>
+              <a:t>Tool : Message Queue</a:t>
             </a:r>
             <a:r>
               <a:rPr lang="en-US" altLang="zh-TW" dirty="0" smtClean="0">
@@ -5865,6 +6010,132 @@
               <a:rPr lang="en-US" altLang="zh-TW" dirty="0" smtClean="0"/>
               <a:t>Agenda</a:t>
             </a:r>
+            <a:endParaRPr lang="zh-TW" altLang="en-US" dirty="0"/>
+          </a:p>
+        </p:txBody>
+      </p:sp>
+    </p:spTree>
+  </p:cSld>
+  <p:clrMapOvr>
+    <a:masterClrMapping/>
+  </p:clrMapOvr>
+</p:sld>
+</file>
+
+<file path=ppt/slides/slide20.xml><?xml version="1.0" encoding="utf-8"?>
+<p:sld xmlns:a="http://schemas.openxmlformats.org/drawingml/2006/main" xmlns:r="http://schemas.openxmlformats.org/officeDocument/2006/relationships" xmlns:p="http://schemas.openxmlformats.org/presentationml/2006/main">
+  <p:cSld>
+    <p:spTree>
+      <p:nvGrpSpPr>
+        <p:cNvPr id="1" name=""/>
+        <p:cNvGrpSpPr/>
+        <p:nvPr/>
+      </p:nvGrpSpPr>
+      <p:grpSpPr>
+        <a:xfrm>
+          <a:off x="0" y="0"/>
+          <a:ext cx="0" cy="0"/>
+          <a:chOff x="0" y="0"/>
+          <a:chExt cx="0" cy="0"/>
+        </a:xfrm>
+      </p:grpSpPr>
+      <p:sp>
+        <p:nvSpPr>
+          <p:cNvPr id="2" name="標題 1"/>
+          <p:cNvSpPr>
+            <a:spLocks noGrp="1"/>
+          </p:cNvSpPr>
+          <p:nvPr>
+            <p:ph type="title"/>
+          </p:nvPr>
+        </p:nvSpPr>
+        <p:spPr/>
+        <p:txBody>
+          <a:bodyPr/>
+          <a:lstStyle/>
+          <a:p>
+            <a:r>
+              <a:rPr lang="en-US" altLang="zh-TW" dirty="0" smtClean="0"/>
+              <a:t>Ref.</a:t>
+            </a:r>
+            <a:endParaRPr lang="zh-TW" altLang="en-US" dirty="0"/>
+          </a:p>
+        </p:txBody>
+      </p:sp>
+      <p:sp>
+        <p:nvSpPr>
+          <p:cNvPr id="3" name="內容版面配置區 2"/>
+          <p:cNvSpPr>
+            <a:spLocks noGrp="1"/>
+          </p:cNvSpPr>
+          <p:nvPr>
+            <p:ph idx="1"/>
+          </p:nvPr>
+        </p:nvSpPr>
+        <p:spPr/>
+        <p:txBody>
+          <a:bodyPr>
+            <a:normAutofit fontScale="77500" lnSpcReduction="20000"/>
+          </a:bodyPr>
+          <a:lstStyle/>
+          <a:p>
+            <a:r>
+              <a:rPr lang="en-US" altLang="zh-TW" dirty="0" smtClean="0">
+                <a:hlinkClick r:id="rId2"/>
+              </a:rPr>
+              <a:t>https://columns.chicken-house.net/2016/09/15/microservice-case-study-01/#operating-team-application-maintainess</a:t>
+            </a:r>
+            <a:endParaRPr lang="en-US" altLang="zh-TW" dirty="0" smtClean="0"/>
+          </a:p>
+          <a:p>
+            <a:r>
+              <a:rPr lang="en-US" altLang="zh-TW" dirty="0" smtClean="0">
+                <a:hlinkClick r:id="rId3"/>
+              </a:rPr>
+              <a:t>https://docs.microsoft.com/zh-tw/dotnet/standard/microservices-architecture/architect-microservice-container-applications/microservices-architecture</a:t>
+            </a:r>
+            <a:endParaRPr lang="en-US" altLang="zh-TW" dirty="0" smtClean="0"/>
+          </a:p>
+          <a:p>
+            <a:r>
+              <a:rPr lang="en-US" altLang="zh-TW" dirty="0" smtClean="0">
+                <a:hlinkClick r:id="rId4"/>
+              </a:rPr>
+              <a:t>https://www.codeproject.com/Articles/1276639/Microservice-using-ASP-NET-Core</a:t>
+            </a:r>
+            <a:endParaRPr lang="en-US" altLang="zh-TW" dirty="0" smtClean="0"/>
+          </a:p>
+          <a:p>
+            <a:r>
+              <a:rPr lang="en-US" altLang="zh-TW" dirty="0" smtClean="0">
+                <a:hlinkClick r:id="rId5"/>
+              </a:rPr>
+              <a:t>https://www.carlrippon.com/scalable-and-performant-asp-net-core-web-apis-microservices/</a:t>
+            </a:r>
+            <a:endParaRPr lang="en-US" altLang="zh-TW" dirty="0" smtClean="0"/>
+          </a:p>
+          <a:p>
+            <a:r>
+              <a:rPr lang="en-US" altLang="zh-TW" dirty="0" smtClean="0">
+                <a:hlinkClick r:id="rId6"/>
+              </a:rPr>
+              <a:t>https://36kr.com/p/5104897</a:t>
+            </a:r>
+            <a:endParaRPr lang="en-US" altLang="zh-TW" dirty="0" smtClean="0"/>
+          </a:p>
+          <a:p>
+            <a:r>
+              <a:rPr lang="en-US" altLang="zh-TW" dirty="0" smtClean="0">
+                <a:hlinkClick r:id="rId7"/>
+              </a:rPr>
+              <a:t>https://redis.io/</a:t>
+            </a:r>
+            <a:endParaRPr lang="en-US" altLang="zh-TW" dirty="0" smtClean="0"/>
+          </a:p>
+          <a:p>
+            <a:endParaRPr lang="en-US" altLang="zh-TW" dirty="0" smtClean="0"/>
+          </a:p>
+          <a:p>
             <a:endParaRPr lang="zh-TW" altLang="en-US" dirty="0"/>
           </a:p>
         </p:txBody>
@@ -6139,15 +6410,7 @@
             <a:pPr lvl="1"/>
             <a:r>
               <a:rPr lang="en-US" altLang="zh-TW" dirty="0" smtClean="0"/>
-              <a:t>Scale-Up </a:t>
-            </a:r>
-            <a:r>
-              <a:rPr lang="en-US" altLang="zh-TW" dirty="0" smtClean="0"/>
-              <a:t>vs</a:t>
-            </a:r>
-            <a:r>
-              <a:rPr lang="en-US" altLang="zh-TW" dirty="0" smtClean="0"/>
-              <a:t>. Scale-Out</a:t>
+              <a:t>Scale-Up vs. Scale-Out</a:t>
             </a:r>
             <a:endParaRPr lang="en-US" altLang="zh-TW" dirty="0"/>
           </a:p>

--- a/Microservice.pptx
+++ b/Microservice.pptx
@@ -212,7 +212,7 @@
             <a:fld id="{1AA0A25A-0933-4BB6-AB00-1CCD3F98FE01}" type="datetimeFigureOut">
               <a:rPr lang="zh-TW" altLang="en-US" smtClean="0"/>
               <a:pPr/>
-              <a:t>2019/7/29</a:t>
+              <a:t>2019/8/5</a:t>
             </a:fld>
             <a:endParaRPr lang="zh-TW" altLang="en-US"/>
           </a:p>
@@ -1008,7 +1008,7 @@
             <a:fld id="{FD877D34-32F8-4B33-9092-4B8820F5807F}" type="datetimeFigureOut">
               <a:rPr lang="zh-TW" altLang="en-US" smtClean="0"/>
               <a:pPr/>
-              <a:t>2019/7/29</a:t>
+              <a:t>2019/8/5</a:t>
             </a:fld>
             <a:endParaRPr lang="zh-TW" altLang="en-US"/>
           </a:p>
@@ -1175,7 +1175,7 @@
             <a:fld id="{FD877D34-32F8-4B33-9092-4B8820F5807F}" type="datetimeFigureOut">
               <a:rPr lang="zh-TW" altLang="en-US" smtClean="0"/>
               <a:pPr/>
-              <a:t>2019/7/29</a:t>
+              <a:t>2019/8/5</a:t>
             </a:fld>
             <a:endParaRPr lang="zh-TW" altLang="en-US"/>
           </a:p>
@@ -1352,7 +1352,7 @@
             <a:fld id="{FD877D34-32F8-4B33-9092-4B8820F5807F}" type="datetimeFigureOut">
               <a:rPr lang="zh-TW" altLang="en-US" smtClean="0"/>
               <a:pPr/>
-              <a:t>2019/7/29</a:t>
+              <a:t>2019/8/5</a:t>
             </a:fld>
             <a:endParaRPr lang="zh-TW" altLang="en-US"/>
           </a:p>
@@ -1519,7 +1519,7 @@
             <a:fld id="{FD877D34-32F8-4B33-9092-4B8820F5807F}" type="datetimeFigureOut">
               <a:rPr lang="zh-TW" altLang="en-US" smtClean="0"/>
               <a:pPr/>
-              <a:t>2019/7/29</a:t>
+              <a:t>2019/8/5</a:t>
             </a:fld>
             <a:endParaRPr lang="zh-TW" altLang="en-US"/>
           </a:p>
@@ -1762,7 +1762,7 @@
             <a:fld id="{FD877D34-32F8-4B33-9092-4B8820F5807F}" type="datetimeFigureOut">
               <a:rPr lang="zh-TW" altLang="en-US" smtClean="0"/>
               <a:pPr/>
-              <a:t>2019/7/29</a:t>
+              <a:t>2019/8/5</a:t>
             </a:fld>
             <a:endParaRPr lang="zh-TW" altLang="en-US"/>
           </a:p>
@@ -2047,7 +2047,7 @@
             <a:fld id="{FD877D34-32F8-4B33-9092-4B8820F5807F}" type="datetimeFigureOut">
               <a:rPr lang="zh-TW" altLang="en-US" smtClean="0"/>
               <a:pPr/>
-              <a:t>2019/7/29</a:t>
+              <a:t>2019/8/5</a:t>
             </a:fld>
             <a:endParaRPr lang="zh-TW" altLang="en-US"/>
           </a:p>
@@ -2466,7 +2466,7 @@
             <a:fld id="{FD877D34-32F8-4B33-9092-4B8820F5807F}" type="datetimeFigureOut">
               <a:rPr lang="zh-TW" altLang="en-US" smtClean="0"/>
               <a:pPr/>
-              <a:t>2019/7/29</a:t>
+              <a:t>2019/8/5</a:t>
             </a:fld>
             <a:endParaRPr lang="zh-TW" altLang="en-US"/>
           </a:p>
@@ -2581,7 +2581,7 @@
             <a:fld id="{FD877D34-32F8-4B33-9092-4B8820F5807F}" type="datetimeFigureOut">
               <a:rPr lang="zh-TW" altLang="en-US" smtClean="0"/>
               <a:pPr/>
-              <a:t>2019/7/29</a:t>
+              <a:t>2019/8/5</a:t>
             </a:fld>
             <a:endParaRPr lang="zh-TW" altLang="en-US"/>
           </a:p>
@@ -2673,7 +2673,7 @@
             <a:fld id="{FD877D34-32F8-4B33-9092-4B8820F5807F}" type="datetimeFigureOut">
               <a:rPr lang="zh-TW" altLang="en-US" smtClean="0"/>
               <a:pPr/>
-              <a:t>2019/7/29</a:t>
+              <a:t>2019/8/5</a:t>
             </a:fld>
             <a:endParaRPr lang="zh-TW" altLang="en-US"/>
           </a:p>
@@ -2947,7 +2947,7 @@
             <a:fld id="{FD877D34-32F8-4B33-9092-4B8820F5807F}" type="datetimeFigureOut">
               <a:rPr lang="zh-TW" altLang="en-US" smtClean="0"/>
               <a:pPr/>
-              <a:t>2019/7/29</a:t>
+              <a:t>2019/8/5</a:t>
             </a:fld>
             <a:endParaRPr lang="zh-TW" altLang="en-US"/>
           </a:p>
@@ -3197,7 +3197,7 @@
             <a:fld id="{FD877D34-32F8-4B33-9092-4B8820F5807F}" type="datetimeFigureOut">
               <a:rPr lang="zh-TW" altLang="en-US" smtClean="0"/>
               <a:pPr/>
-              <a:t>2019/7/29</a:t>
+              <a:t>2019/8/5</a:t>
             </a:fld>
             <a:endParaRPr lang="zh-TW" altLang="en-US"/>
           </a:p>
@@ -3407,7 +3407,7 @@
             <a:fld id="{FD877D34-32F8-4B33-9092-4B8820F5807F}" type="datetimeFigureOut">
               <a:rPr lang="zh-TW" altLang="en-US" smtClean="0"/>
               <a:pPr/>
-              <a:t>2019/7/29</a:t>
+              <a:t>2019/8/5</a:t>
             </a:fld>
             <a:endParaRPr lang="zh-TW" altLang="en-US"/>
           </a:p>
@@ -3885,7 +3885,9 @@
           </a:xfrm>
         </p:spPr>
         <p:txBody>
-          <a:bodyPr/>
+          <a:bodyPr>
+            <a:normAutofit/>
+          </a:bodyPr>
           <a:lstStyle/>
           <a:p>
             <a:r>
@@ -3906,6 +3908,20 @@
             </a:r>
           </a:p>
           <a:p>
+            <a:r>
+              <a:rPr lang="en-US" altLang="zh-TW" dirty="0" smtClean="0"/>
+              <a:t>When Auto-Scaling =&gt;  </a:t>
+            </a:r>
+            <a:r>
+              <a:rPr lang="en-US" altLang="zh-TW" dirty="0" smtClean="0">
+                <a:solidFill>
+                  <a:srgbClr val="FF0000"/>
+                </a:solidFill>
+              </a:rPr>
+              <a:t>Start new | Turn off</a:t>
+            </a:r>
+          </a:p>
+          <a:p>
             <a:endParaRPr lang="en-US" altLang="zh-TW" dirty="0"/>
           </a:p>
           <a:p>
@@ -3930,7 +3946,15 @@
             <a:pPr lvl="1"/>
             <a:r>
               <a:rPr lang="en-US" altLang="zh-TW" dirty="0" smtClean="0"/>
-              <a:t>Outside Storage : No info in in-app-memory</a:t>
+              <a:t>Outside Storage : No info in </a:t>
+            </a:r>
+            <a:r>
+              <a:rPr lang="en-US" altLang="zh-TW" dirty="0" smtClean="0">
+                <a:solidFill>
+                  <a:srgbClr val="FF0000"/>
+                </a:solidFill>
+              </a:rPr>
+              <a:t>in-app-memory</a:t>
             </a:r>
           </a:p>
           <a:p>
@@ -3945,20 +3969,6 @@
             <a:r>
               <a:rPr lang="en-US" altLang="zh-TW" dirty="0" smtClean="0"/>
               <a:t>Using ACK</a:t>
-            </a:r>
-          </a:p>
-          <a:p>
-            <a:r>
-              <a:rPr lang="en-US" altLang="zh-TW" dirty="0" smtClean="0">
-                <a:solidFill>
-                  <a:srgbClr val="FF0000"/>
-                </a:solidFill>
-              </a:rPr>
-              <a:t>GOOD PRACTICE</a:t>
-            </a:r>
-            <a:r>
-              <a:rPr lang="en-US" altLang="zh-TW" dirty="0" smtClean="0"/>
-              <a:t> but not MUST</a:t>
             </a:r>
           </a:p>
           <a:p>
@@ -3974,6 +3984,13 @@
   <p:clrMapOvr>
     <a:masterClrMapping/>
   </p:clrMapOvr>
+  <p:timing>
+    <p:tnLst>
+      <p:par>
+        <p:cTn id="1" dur="indefinite" restart="never" nodeType="tmRoot"/>
+      </p:par>
+    </p:tnLst>
+  </p:timing>
 </p:sld>
 </file>
 
@@ -4183,6 +4200,13 @@
   <p:clrMapOvr>
     <a:masterClrMapping/>
   </p:clrMapOvr>
+  <p:timing>
+    <p:tnLst>
+      <p:par>
+        <p:cTn id="1" dur="indefinite" restart="never" nodeType="tmRoot"/>
+      </p:par>
+    </p:tnLst>
+  </p:timing>
 </p:sld>
 </file>
 
@@ -4307,6 +4331,13 @@
   <p:clrMapOvr>
     <a:masterClrMapping/>
   </p:clrMapOvr>
+  <p:timing>
+    <p:tnLst>
+      <p:par>
+        <p:cTn id="1" dur="indefinite" restart="never" nodeType="tmRoot"/>
+      </p:par>
+    </p:tnLst>
+  </p:timing>
 </p:sld>
 </file>
 
@@ -4468,6 +4499,13 @@
   <p:clrMapOvr>
     <a:masterClrMapping/>
   </p:clrMapOvr>
+  <p:timing>
+    <p:tnLst>
+      <p:par>
+        <p:cTn id="1" dur="indefinite" restart="never" nodeType="tmRoot"/>
+      </p:par>
+    </p:tnLst>
+  </p:timing>
 </p:sld>
 </file>
 
@@ -5047,19 +5085,7 @@
               <a:rPr lang="en-US" altLang="zh-TW" dirty="0" smtClean="0">
                 <a:hlinkClick r:id="rId2"/>
               </a:rPr>
-              <a:t>https</a:t>
-            </a:r>
-            <a:r>
-              <a:rPr lang="en-US" altLang="zh-TW" dirty="0" smtClean="0">
-                <a:hlinkClick r:id="rId2"/>
-              </a:rPr>
-              <a:t>://</a:t>
-            </a:r>
-            <a:r>
-              <a:rPr lang="en-US" altLang="zh-TW" dirty="0" smtClean="0">
-                <a:hlinkClick r:id="rId2"/>
-              </a:rPr>
-              <a:t>github.com/jimliu7434/microservice-sample/blob/master/model/session_local.js</a:t>
+              <a:t>https://github.com/jimliu7434/microservice-sample/blob/master/model/session_local.js</a:t>
             </a:r>
             <a:endParaRPr lang="en-US" altLang="zh-TW" dirty="0" smtClean="0"/>
           </a:p>
@@ -5093,13 +5119,7 @@
               <a:rPr lang="en-US" altLang="zh-TW" dirty="0" smtClean="0">
                 <a:hlinkClick r:id="rId3"/>
               </a:rPr>
-              <a:t>https</a:t>
-            </a:r>
-            <a:r>
-              <a:rPr lang="en-US" altLang="zh-TW" dirty="0" smtClean="0">
-                <a:hlinkClick r:id="rId3"/>
-              </a:rPr>
-              <a:t>://github.com/jimliu7434/microservice-sample/blob/master/model/session_redis.js</a:t>
+              <a:t>https://github.com/jimliu7434/microservice-sample/blob/master/model/session_redis.js</a:t>
             </a:r>
             <a:endParaRPr lang="en-US" altLang="zh-TW" dirty="0">
               <a:solidFill>
@@ -5670,7 +5690,6 @@
               <a:rPr lang="en-US" altLang="zh-TW" dirty="0" smtClean="0"/>
               <a:t> to get List</a:t>
             </a:r>
-            <a:endParaRPr lang="en-US" altLang="zh-TW" dirty="0" smtClean="0"/>
           </a:p>
           <a:p>
             <a:r>
@@ -5795,11 +5814,7 @@
             </a:r>
             <a:r>
               <a:rPr lang="en-US" altLang="zh-TW" dirty="0" smtClean="0"/>
-              <a:t> in </a:t>
-            </a:r>
-            <a:r>
-              <a:rPr lang="en-US" altLang="zh-TW" dirty="0" smtClean="0"/>
-              <a:t>code</a:t>
+              <a:t> in code</a:t>
             </a:r>
           </a:p>
           <a:p>
@@ -5807,7 +5822,6 @@
               <a:rPr lang="en-US" altLang="zh-TW" dirty="0" smtClean="0"/>
               <a:t>Only be triggered when someone go Up or Down</a:t>
             </a:r>
-            <a:endParaRPr lang="en-US" altLang="zh-TW" dirty="0" smtClean="0"/>
           </a:p>
           <a:p>
             <a:endParaRPr lang="en-US" altLang="zh-TW" dirty="0" smtClean="0"/>
@@ -5817,13 +5831,7 @@
               <a:rPr lang="en-US" altLang="zh-TW" dirty="0" smtClean="0">
                 <a:hlinkClick r:id="rId2"/>
               </a:rPr>
-              <a:t>https</a:t>
-            </a:r>
-            <a:r>
-              <a:rPr lang="en-US" altLang="zh-TW" dirty="0" smtClean="0">
-                <a:hlinkClick r:id="rId2"/>
-              </a:rPr>
-              <a:t>://github.com/jimliu7434/microservice-sample/blob/master/service/pods2.js</a:t>
+              <a:t>https://github.com/jimliu7434/microservice-sample/blob/master/service/pods2.js</a:t>
             </a:r>
             <a:endParaRPr lang="en-US" altLang="zh-TW" dirty="0"/>
           </a:p>
@@ -6019,6 +6027,13 @@
   <p:clrMapOvr>
     <a:masterClrMapping/>
   </p:clrMapOvr>
+  <p:timing>
+    <p:tnLst>
+      <p:par>
+        <p:cTn id="1" dur="indefinite" restart="never" nodeType="tmRoot"/>
+      </p:par>
+    </p:tnLst>
+  </p:timing>
 </p:sld>
 </file>
 
@@ -6190,8 +6205,8 @@
               <a:t>Monolithic  </a:t>
             </a:r>
             <a:r>
-              <a:rPr lang="en-US" altLang="zh-TW" dirty="0" err="1" smtClean="0"/>
-              <a:t>v.s</a:t>
+              <a:rPr lang="en-US" altLang="zh-TW" dirty="0" smtClean="0"/>
+              <a:t>vs</a:t>
             </a:r>
             <a:r>
               <a:rPr lang="en-US" altLang="zh-TW" dirty="0" smtClean="0"/>
@@ -6260,6 +6275,13 @@
   <p:clrMapOvr>
     <a:masterClrMapping/>
   </p:clrMapOvr>
+  <p:timing>
+    <p:tnLst>
+      <p:par>
+        <p:cTn id="1" dur="indefinite" restart="never" nodeType="tmRoot"/>
+      </p:par>
+    </p:tnLst>
+  </p:timing>
 </p:sld>
 </file>
 
@@ -6305,8 +6327,8 @@
               <a:t>Monolithic  </a:t>
             </a:r>
             <a:r>
-              <a:rPr lang="en-US" altLang="zh-TW" dirty="0" err="1" smtClean="0"/>
-              <a:t>v.s</a:t>
+              <a:rPr lang="en-US" altLang="zh-TW" dirty="0" smtClean="0"/>
+              <a:t>vs</a:t>
             </a:r>
             <a:r>
               <a:rPr lang="en-US" altLang="zh-TW" dirty="0" smtClean="0"/>
@@ -6431,6 +6453,13 @@
   <p:clrMapOvr>
     <a:masterClrMapping/>
   </p:clrMapOvr>
+  <p:timing>
+    <p:tnLst>
+      <p:par>
+        <p:cTn id="1" dur="indefinite" restart="never" nodeType="tmRoot"/>
+      </p:par>
+    </p:tnLst>
+  </p:timing>
 </p:sld>
 </file>
 
@@ -6502,6 +6531,13 @@
   <p:clrMapOvr>
     <a:masterClrMapping/>
   </p:clrMapOvr>
+  <p:timing>
+    <p:tnLst>
+      <p:par>
+        <p:cTn id="1" dur="indefinite" restart="never" nodeType="tmRoot"/>
+      </p:par>
+    </p:tnLst>
+  </p:timing>
 </p:sld>
 </file>
 
@@ -6573,6 +6609,13 @@
   <p:clrMapOvr>
     <a:masterClrMapping/>
   </p:clrMapOvr>
+  <p:timing>
+    <p:tnLst>
+      <p:par>
+        <p:cTn id="1" dur="indefinite" restart="never" nodeType="tmRoot"/>
+      </p:par>
+    </p:tnLst>
+  </p:timing>
 </p:sld>
 </file>
 
@@ -6644,6 +6687,13 @@
   <p:clrMapOvr>
     <a:masterClrMapping/>
   </p:clrMapOvr>
+  <p:timing>
+    <p:tnLst>
+      <p:par>
+        <p:cTn id="1" dur="indefinite" restart="never" nodeType="tmRoot"/>
+      </p:par>
+    </p:tnLst>
+  </p:timing>
 </p:sld>
 </file>
 
@@ -6746,6 +6796,13 @@
   <p:clrMapOvr>
     <a:masterClrMapping/>
   </p:clrMapOvr>
+  <p:timing>
+    <p:tnLst>
+      <p:par>
+        <p:cTn id="1" dur="indefinite" restart="never" nodeType="tmRoot"/>
+      </p:par>
+    </p:tnLst>
+  </p:timing>
 </p:sld>
 </file>
 
@@ -6817,6 +6874,13 @@
   <p:clrMapOvr>
     <a:masterClrMapping/>
   </p:clrMapOvr>
+  <p:timing>
+    <p:tnLst>
+      <p:par>
+        <p:cTn id="1" dur="indefinite" restart="never" nodeType="tmRoot"/>
+      </p:par>
+    </p:tnLst>
+  </p:timing>
 </p:sld>
 </file>
 

--- a/Microservice.pptx
+++ b/Microservice.pptx
@@ -212,7 +212,7 @@
             <a:fld id="{1AA0A25A-0933-4BB6-AB00-1CCD3F98FE01}" type="datetimeFigureOut">
               <a:rPr lang="zh-TW" altLang="en-US" smtClean="0"/>
               <a:pPr/>
-              <a:t>2019/8/5</a:t>
+              <a:t>2019/8/8</a:t>
             </a:fld>
             <a:endParaRPr lang="zh-TW" altLang="en-US"/>
           </a:p>
@@ -1008,7 +1008,7 @@
             <a:fld id="{FD877D34-32F8-4B33-9092-4B8820F5807F}" type="datetimeFigureOut">
               <a:rPr lang="zh-TW" altLang="en-US" smtClean="0"/>
               <a:pPr/>
-              <a:t>2019/8/5</a:t>
+              <a:t>2019/8/8</a:t>
             </a:fld>
             <a:endParaRPr lang="zh-TW" altLang="en-US"/>
           </a:p>
@@ -1175,7 +1175,7 @@
             <a:fld id="{FD877D34-32F8-4B33-9092-4B8820F5807F}" type="datetimeFigureOut">
               <a:rPr lang="zh-TW" altLang="en-US" smtClean="0"/>
               <a:pPr/>
-              <a:t>2019/8/5</a:t>
+              <a:t>2019/8/8</a:t>
             </a:fld>
             <a:endParaRPr lang="zh-TW" altLang="en-US"/>
           </a:p>
@@ -1352,7 +1352,7 @@
             <a:fld id="{FD877D34-32F8-4B33-9092-4B8820F5807F}" type="datetimeFigureOut">
               <a:rPr lang="zh-TW" altLang="en-US" smtClean="0"/>
               <a:pPr/>
-              <a:t>2019/8/5</a:t>
+              <a:t>2019/8/8</a:t>
             </a:fld>
             <a:endParaRPr lang="zh-TW" altLang="en-US"/>
           </a:p>
@@ -1519,7 +1519,7 @@
             <a:fld id="{FD877D34-32F8-4B33-9092-4B8820F5807F}" type="datetimeFigureOut">
               <a:rPr lang="zh-TW" altLang="en-US" smtClean="0"/>
               <a:pPr/>
-              <a:t>2019/8/5</a:t>
+              <a:t>2019/8/8</a:t>
             </a:fld>
             <a:endParaRPr lang="zh-TW" altLang="en-US"/>
           </a:p>
@@ -1762,7 +1762,7 @@
             <a:fld id="{FD877D34-32F8-4B33-9092-4B8820F5807F}" type="datetimeFigureOut">
               <a:rPr lang="zh-TW" altLang="en-US" smtClean="0"/>
               <a:pPr/>
-              <a:t>2019/8/5</a:t>
+              <a:t>2019/8/8</a:t>
             </a:fld>
             <a:endParaRPr lang="zh-TW" altLang="en-US"/>
           </a:p>
@@ -2047,7 +2047,7 @@
             <a:fld id="{FD877D34-32F8-4B33-9092-4B8820F5807F}" type="datetimeFigureOut">
               <a:rPr lang="zh-TW" altLang="en-US" smtClean="0"/>
               <a:pPr/>
-              <a:t>2019/8/5</a:t>
+              <a:t>2019/8/8</a:t>
             </a:fld>
             <a:endParaRPr lang="zh-TW" altLang="en-US"/>
           </a:p>
@@ -2466,7 +2466,7 @@
             <a:fld id="{FD877D34-32F8-4B33-9092-4B8820F5807F}" type="datetimeFigureOut">
               <a:rPr lang="zh-TW" altLang="en-US" smtClean="0"/>
               <a:pPr/>
-              <a:t>2019/8/5</a:t>
+              <a:t>2019/8/8</a:t>
             </a:fld>
             <a:endParaRPr lang="zh-TW" altLang="en-US"/>
           </a:p>
@@ -2581,7 +2581,7 @@
             <a:fld id="{FD877D34-32F8-4B33-9092-4B8820F5807F}" type="datetimeFigureOut">
               <a:rPr lang="zh-TW" altLang="en-US" smtClean="0"/>
               <a:pPr/>
-              <a:t>2019/8/5</a:t>
+              <a:t>2019/8/8</a:t>
             </a:fld>
             <a:endParaRPr lang="zh-TW" altLang="en-US"/>
           </a:p>
@@ -2673,7 +2673,7 @@
             <a:fld id="{FD877D34-32F8-4B33-9092-4B8820F5807F}" type="datetimeFigureOut">
               <a:rPr lang="zh-TW" altLang="en-US" smtClean="0"/>
               <a:pPr/>
-              <a:t>2019/8/5</a:t>
+              <a:t>2019/8/8</a:t>
             </a:fld>
             <a:endParaRPr lang="zh-TW" altLang="en-US"/>
           </a:p>
@@ -2947,7 +2947,7 @@
             <a:fld id="{FD877D34-32F8-4B33-9092-4B8820F5807F}" type="datetimeFigureOut">
               <a:rPr lang="zh-TW" altLang="en-US" smtClean="0"/>
               <a:pPr/>
-              <a:t>2019/8/5</a:t>
+              <a:t>2019/8/8</a:t>
             </a:fld>
             <a:endParaRPr lang="zh-TW" altLang="en-US"/>
           </a:p>
@@ -3197,7 +3197,7 @@
             <a:fld id="{FD877D34-32F8-4B33-9092-4B8820F5807F}" type="datetimeFigureOut">
               <a:rPr lang="zh-TW" altLang="en-US" smtClean="0"/>
               <a:pPr/>
-              <a:t>2019/8/5</a:t>
+              <a:t>2019/8/8</a:t>
             </a:fld>
             <a:endParaRPr lang="zh-TW" altLang="en-US"/>
           </a:p>
@@ -3407,7 +3407,7 @@
             <a:fld id="{FD877D34-32F8-4B33-9092-4B8820F5807F}" type="datetimeFigureOut">
               <a:rPr lang="zh-TW" altLang="en-US" smtClean="0"/>
               <a:pPr/>
-              <a:t>2019/8/5</a:t>
+              <a:t>2019/8/8</a:t>
             </a:fld>
             <a:endParaRPr lang="zh-TW" altLang="en-US"/>
           </a:p>
@@ -5225,7 +5225,7 @@
                   <a:srgbClr val="FF0000"/>
                 </a:solidFill>
               </a:rPr>
-              <a:t>Lists</a:t>
+              <a:t>Sets</a:t>
             </a:r>
             <a:endParaRPr lang="en-US" altLang="zh-TW" dirty="0">
               <a:solidFill>
@@ -5284,7 +5284,7 @@
               <a:defRPr/>
             </a:pPr>
             <a:r>
-              <a:rPr kumimoji="0" lang="en-US" altLang="zh-TW" sz="3200" b="0" i="0" u="none" strike="noStrike" kern="1200" cap="none" spc="0" normalizeH="0" baseline="0" noProof="0" dirty="0" err="1" smtClean="0">
+              <a:rPr kumimoji="0" lang="en-US" altLang="zh-TW" sz="3200" b="0" i="0" u="none" strike="noStrike" kern="1200" cap="none" spc="0" normalizeH="0" noProof="0" dirty="0" err="1" smtClean="0">
                 <a:ln>
                   <a:noFill/>
                 </a:ln>
@@ -5298,7 +5298,7 @@
                 <a:ea typeface="+mn-ea"/>
                 <a:cs typeface="+mn-cs"/>
               </a:rPr>
-              <a:t>lpush</a:t>
+              <a:t>sadd</a:t>
             </a:r>
             <a:r>
               <a:rPr kumimoji="0" lang="en-US" altLang="zh-TW" sz="3200" b="0" i="0" u="none" strike="noStrike" kern="1200" cap="none" spc="0" normalizeH="0" noProof="0" dirty="0" smtClean="0">
@@ -5349,8 +5349,89 @@
                 <a:ea typeface="+mn-ea"/>
                 <a:cs typeface="+mn-cs"/>
               </a:rPr>
-              <a:t> A</a:t>
-            </a:r>
+              <a:t> </a:t>
+            </a:r>
+            <a:r>
+              <a:rPr kumimoji="0" lang="en-US" altLang="zh-TW" sz="3200" b="0" i="0" u="none" strike="noStrike" kern="1200" cap="none" spc="0" normalizeH="0" baseline="0" noProof="0" dirty="0" smtClean="0">
+                <a:ln>
+                  <a:noFill/>
+                </a:ln>
+                <a:solidFill>
+                  <a:schemeClr val="tx1"/>
+                </a:solidFill>
+                <a:effectLst/>
+                <a:uLnTx/>
+                <a:uFillTx/>
+                <a:latin typeface="+mn-lt"/>
+                <a:ea typeface="+mn-ea"/>
+                <a:cs typeface="+mn-cs"/>
+              </a:rPr>
+              <a:t>A </a:t>
+            </a:r>
+          </a:p>
+          <a:p>
+            <a:pPr marL="342900" marR="0" lvl="0" indent="-342900" algn="l" defTabSz="914400" rtl="0" eaLnBrk="1" fontAlgn="auto" latinLnBrk="0" hangingPunct="1">
+              <a:lnSpc>
+                <a:spcPct val="100000"/>
+              </a:lnSpc>
+              <a:spcBef>
+                <a:spcPct val="20000"/>
+              </a:spcBef>
+              <a:spcAft>
+                <a:spcPts val="0"/>
+              </a:spcAft>
+              <a:buClrTx/>
+              <a:buSzTx/>
+              <a:tabLst/>
+              <a:defRPr/>
+            </a:pPr>
+            <a:r>
+              <a:rPr lang="en-US" altLang="zh-TW" sz="3200" dirty="0" err="1" smtClean="0"/>
+              <a:t>sadd</a:t>
+            </a:r>
+            <a:r>
+              <a:rPr lang="en-US" altLang="zh-TW" sz="3200" dirty="0" smtClean="0"/>
+              <a:t> </a:t>
+            </a:r>
+            <a:r>
+              <a:rPr lang="en-US" altLang="zh-TW" sz="3200" dirty="0" err="1" smtClean="0"/>
+              <a:t>alist</a:t>
+            </a:r>
+            <a:r>
+              <a:rPr lang="en-US" altLang="zh-TW" sz="3200" dirty="0" smtClean="0"/>
+              <a:t> </a:t>
+            </a:r>
+            <a:r>
+              <a:rPr kumimoji="0" lang="en-US" altLang="zh-TW" sz="3200" b="0" i="0" u="none" strike="noStrike" kern="1200" cap="none" spc="0" normalizeH="0" baseline="0" noProof="0" dirty="0" smtClean="0">
+                <a:ln>
+                  <a:noFill/>
+                </a:ln>
+                <a:solidFill>
+                  <a:schemeClr val="tx1"/>
+                </a:solidFill>
+                <a:effectLst/>
+                <a:uLnTx/>
+                <a:uFillTx/>
+                <a:latin typeface="+mn-lt"/>
+                <a:ea typeface="+mn-ea"/>
+                <a:cs typeface="+mn-cs"/>
+              </a:rPr>
+              <a:t>B C</a:t>
+            </a:r>
+            <a:endParaRPr kumimoji="0" lang="en-US" altLang="zh-TW" sz="3200" b="0" i="0" u="none" strike="noStrike" kern="1200" cap="none" spc="0" normalizeH="0" baseline="0" noProof="0" dirty="0" smtClean="0">
+              <a:ln>
+                <a:noFill/>
+              </a:ln>
+              <a:solidFill>
+                <a:schemeClr val="tx1"/>
+              </a:solidFill>
+              <a:effectLst/>
+              <a:uLnTx/>
+              <a:uFillTx/>
+              <a:latin typeface="+mn-lt"/>
+              <a:ea typeface="+mn-ea"/>
+              <a:cs typeface="+mn-cs"/>
+            </a:endParaRPr>
           </a:p>
           <a:p>
             <a:pPr marL="342900" indent="-342900">
@@ -5359,12 +5440,8 @@
               </a:spcBef>
             </a:pPr>
             <a:r>
-              <a:rPr lang="en-US" altLang="zh-TW" sz="3200" dirty="0" err="1"/>
-              <a:t>l</a:t>
-            </a:r>
-            <a:r>
               <a:rPr lang="en-US" altLang="zh-TW" sz="3200" dirty="0" err="1" smtClean="0"/>
-              <a:t>push</a:t>
+              <a:t>smembers</a:t>
             </a:r>
             <a:r>
               <a:rPr lang="en-US" altLang="zh-TW" sz="3200" dirty="0" smtClean="0"/>
@@ -5374,11 +5451,7 @@
               <a:rPr lang="en-US" altLang="zh-TW" sz="3200" dirty="0" err="1" smtClean="0"/>
               <a:t>alist</a:t>
             </a:r>
-            <a:r>
-              <a:rPr lang="en-US" altLang="zh-TW" sz="3200" dirty="0" smtClean="0"/>
-              <a:t> B</a:t>
-            </a:r>
-            <a:endParaRPr lang="zh-TW" altLang="en-US" sz="3200" dirty="0"/>
+            <a:endParaRPr lang="en-US" altLang="zh-TW" sz="3200" dirty="0" smtClean="0"/>
           </a:p>
           <a:p>
             <a:pPr marL="342900" indent="-342900">
@@ -5387,12 +5460,8 @@
               </a:spcBef>
             </a:pPr>
             <a:r>
-              <a:rPr lang="en-US" altLang="zh-TW" sz="3200" dirty="0" err="1"/>
-              <a:t>l</a:t>
-            </a:r>
-            <a:r>
               <a:rPr lang="en-US" altLang="zh-TW" sz="3200" dirty="0" err="1" smtClean="0"/>
-              <a:t>push</a:t>
+              <a:t>sadd</a:t>
             </a:r>
             <a:r>
               <a:rPr lang="en-US" altLang="zh-TW" sz="3200" dirty="0" smtClean="0"/>
@@ -5404,7 +5473,7 @@
             </a:r>
             <a:r>
               <a:rPr lang="en-US" altLang="zh-TW" sz="3200" dirty="0" smtClean="0"/>
-              <a:t> C</a:t>
+              <a:t> A</a:t>
             </a:r>
           </a:p>
           <a:p>
@@ -5414,12 +5483,8 @@
               </a:spcBef>
             </a:pPr>
             <a:r>
-              <a:rPr lang="en-US" altLang="zh-TW" sz="3200" dirty="0" err="1"/>
-              <a:t>l</a:t>
-            </a:r>
-            <a:r>
               <a:rPr lang="en-US" altLang="zh-TW" sz="3200" dirty="0" err="1" smtClean="0"/>
-              <a:t>range</a:t>
+              <a:t>smembers</a:t>
             </a:r>
             <a:r>
               <a:rPr lang="en-US" altLang="zh-TW" sz="3200" dirty="0" smtClean="0"/>
@@ -5429,10 +5494,7 @@
               <a:rPr lang="en-US" altLang="zh-TW" sz="3200" dirty="0" err="1" smtClean="0"/>
               <a:t>alist</a:t>
             </a:r>
-            <a:r>
-              <a:rPr lang="en-US" altLang="zh-TW" sz="3200" dirty="0" smtClean="0"/>
-              <a:t> 0 -1</a:t>
-            </a:r>
+            <a:endParaRPr lang="en-US" altLang="zh-TW" sz="3200" dirty="0" smtClean="0"/>
           </a:p>
           <a:p>
             <a:pPr marL="342900" indent="-342900">
@@ -5441,12 +5503,8 @@
               </a:spcBef>
             </a:pPr>
             <a:r>
-              <a:rPr lang="en-US" altLang="zh-TW" sz="3200" dirty="0" err="1"/>
-              <a:t>r</a:t>
-            </a:r>
-            <a:r>
               <a:rPr lang="en-US" altLang="zh-TW" sz="3200" dirty="0" err="1" smtClean="0"/>
-              <a:t>pop</a:t>
+              <a:t>srem</a:t>
             </a:r>
             <a:r>
               <a:rPr lang="en-US" altLang="zh-TW" sz="3200" dirty="0" smtClean="0"/>
@@ -5455,6 +5513,10 @@
             <a:r>
               <a:rPr lang="en-US" altLang="zh-TW" sz="3200" dirty="0" err="1" smtClean="0"/>
               <a:t>alist</a:t>
+            </a:r>
+            <a:r>
+              <a:rPr lang="en-US" altLang="zh-TW" sz="3200" dirty="0" smtClean="0"/>
+              <a:t> A D</a:t>
             </a:r>
             <a:endParaRPr lang="en-US" altLang="zh-TW" sz="3200" dirty="0" smtClean="0"/>
           </a:p>
@@ -5465,12 +5527,8 @@
               </a:spcBef>
             </a:pPr>
             <a:r>
-              <a:rPr lang="en-US" altLang="zh-TW" sz="3200" dirty="0" err="1"/>
-              <a:t>r</a:t>
-            </a:r>
-            <a:r>
               <a:rPr lang="en-US" altLang="zh-TW" sz="3200" dirty="0" err="1" smtClean="0"/>
-              <a:t>pop</a:t>
+              <a:t>smembers</a:t>
             </a:r>
             <a:r>
               <a:rPr lang="en-US" altLang="zh-TW" sz="3200" dirty="0" smtClean="0"/>
@@ -5480,7 +5538,7 @@
               <a:rPr lang="en-US" altLang="zh-TW" sz="3200" dirty="0" err="1" smtClean="0"/>
               <a:t>alist</a:t>
             </a:r>
-            <a:endParaRPr lang="zh-TW" altLang="en-US" sz="3200" dirty="0" smtClean="0"/>
+            <a:endParaRPr lang="en-US" altLang="zh-TW" sz="3200" dirty="0" smtClean="0"/>
           </a:p>
           <a:p>
             <a:pPr marL="342900" indent="-342900">
@@ -5488,18 +5546,6 @@
                 <a:spcPct val="20000"/>
               </a:spcBef>
             </a:pPr>
-            <a:r>
-              <a:rPr lang="en-US" altLang="zh-TW" sz="3200" dirty="0" err="1" smtClean="0"/>
-              <a:t>rpop</a:t>
-            </a:r>
-            <a:r>
-              <a:rPr lang="en-US" altLang="zh-TW" sz="3200" dirty="0" smtClean="0"/>
-              <a:t> </a:t>
-            </a:r>
-            <a:r>
-              <a:rPr lang="en-US" altLang="zh-TW" sz="3200" dirty="0" err="1" smtClean="0"/>
-              <a:t>alist</a:t>
-            </a:r>
             <a:endParaRPr lang="zh-TW" altLang="en-US" sz="3200" dirty="0" smtClean="0"/>
           </a:p>
           <a:p>
@@ -5545,7 +5591,7 @@
       </p:sp>
       <p:pic>
         <p:nvPicPr>
-          <p:cNvPr id="2051" name="Picture 3"/>
+          <p:cNvPr id="1026" name="Picture 2"/>
           <p:cNvPicPr>
             <a:picLocks noChangeAspect="1" noChangeArrowheads="1"/>
           </p:cNvPicPr>
@@ -5560,8 +5606,8 @@
         </p:blipFill>
         <p:spPr bwMode="auto">
           <a:xfrm>
-            <a:off x="4572000" y="2348880"/>
-            <a:ext cx="4203189" cy="4104456"/>
+            <a:off x="4644009" y="2276872"/>
+            <a:ext cx="4104456" cy="4392488"/>
           </a:xfrm>
           <a:prstGeom prst="rect">
             <a:avLst/>
@@ -5765,7 +5811,7 @@
         <p:spPr>
           <a:xfrm>
             <a:off x="467544" y="1844824"/>
-            <a:ext cx="8363272" cy="2808312"/>
+            <a:ext cx="8363272" cy="3240360"/>
           </a:xfrm>
         </p:spPr>
         <p:txBody>
@@ -5820,8 +5866,38 @@
           <a:p>
             <a:r>
               <a:rPr lang="en-US" altLang="zh-TW" dirty="0" smtClean="0"/>
-              <a:t>Only be triggered when someone go Up or Down</a:t>
-            </a:r>
+              <a:t>Only be triggered when </a:t>
+            </a:r>
+            <a:r>
+              <a:rPr lang="en-US" altLang="zh-TW" dirty="0" smtClean="0"/>
+              <a:t>something HAPPENED </a:t>
+            </a:r>
+          </a:p>
+          <a:p>
+            <a:pPr>
+              <a:buNone/>
+            </a:pPr>
+            <a:r>
+              <a:rPr lang="en-US" altLang="zh-TW" dirty="0" smtClean="0"/>
+              <a:t> </a:t>
+            </a:r>
+            <a:r>
+              <a:rPr lang="en-US" altLang="zh-TW" dirty="0" smtClean="0"/>
+              <a:t>   </a:t>
+            </a:r>
+            <a:r>
+              <a:rPr lang="en-US" altLang="zh-TW" dirty="0" smtClean="0"/>
+              <a:t>( ex: service </a:t>
+            </a:r>
+            <a:r>
+              <a:rPr lang="en-US" altLang="zh-TW" dirty="0" smtClean="0"/>
+              <a:t>go Up or </a:t>
+            </a:r>
+            <a:r>
+              <a:rPr lang="en-US" altLang="zh-TW" dirty="0" smtClean="0"/>
+              <a:t>Down )</a:t>
+            </a:r>
+            <a:endParaRPr lang="en-US" altLang="zh-TW" dirty="0" smtClean="0"/>
           </a:p>
           <a:p>
             <a:endParaRPr lang="en-US" altLang="zh-TW" dirty="0" smtClean="0"/>
@@ -6202,15 +6278,7 @@
           <a:p>
             <a:r>
               <a:rPr lang="en-US" altLang="zh-TW" dirty="0" smtClean="0"/>
-              <a:t>Monolithic  </a:t>
-            </a:r>
-            <a:r>
-              <a:rPr lang="en-US" altLang="zh-TW" dirty="0" smtClean="0"/>
-              <a:t>vs</a:t>
-            </a:r>
-            <a:r>
-              <a:rPr lang="en-US" altLang="zh-TW" dirty="0" smtClean="0"/>
-              <a:t>. Microservice</a:t>
+              <a:t>Monolithic  vs. Microservice</a:t>
             </a:r>
             <a:endParaRPr lang="zh-TW" altLang="en-US" dirty="0"/>
           </a:p>
@@ -6324,15 +6392,7 @@
           <a:p>
             <a:r>
               <a:rPr lang="en-US" altLang="zh-TW" dirty="0" smtClean="0"/>
-              <a:t>Monolithic  </a:t>
-            </a:r>
-            <a:r>
-              <a:rPr lang="en-US" altLang="zh-TW" dirty="0" smtClean="0"/>
-              <a:t>vs</a:t>
-            </a:r>
-            <a:r>
-              <a:rPr lang="en-US" altLang="zh-TW" dirty="0" smtClean="0"/>
-              <a:t>. Microservice</a:t>
+              <a:t>Monolithic  vs. Microservice</a:t>
             </a:r>
             <a:endParaRPr lang="zh-TW" altLang="en-US" dirty="0"/>
           </a:p>

--- a/Microservice.pptx
+++ b/Microservice.pptx
@@ -5,7 +5,7 @@
     <p:sldMasterId id="2147483648" r:id="rId1"/>
   </p:sldMasterIdLst>
   <p:notesMasterIdLst>
-    <p:notesMasterId r:id="rId22"/>
+    <p:notesMasterId r:id="rId25"/>
   </p:notesMasterIdLst>
   <p:sldIdLst>
     <p:sldId id="256" r:id="rId2"/>
@@ -21,13 +21,16 @@
     <p:sldId id="265" r:id="rId12"/>
     <p:sldId id="270" r:id="rId13"/>
     <p:sldId id="273" r:id="rId14"/>
-    <p:sldId id="266" r:id="rId15"/>
-    <p:sldId id="274" r:id="rId16"/>
-    <p:sldId id="268" r:id="rId17"/>
-    <p:sldId id="271" r:id="rId18"/>
-    <p:sldId id="275" r:id="rId19"/>
-    <p:sldId id="272" r:id="rId20"/>
-    <p:sldId id="258" r:id="rId21"/>
+    <p:sldId id="276" r:id="rId15"/>
+    <p:sldId id="266" r:id="rId16"/>
+    <p:sldId id="278" r:id="rId17"/>
+    <p:sldId id="277" r:id="rId18"/>
+    <p:sldId id="274" r:id="rId19"/>
+    <p:sldId id="268" r:id="rId20"/>
+    <p:sldId id="271" r:id="rId21"/>
+    <p:sldId id="275" r:id="rId22"/>
+    <p:sldId id="272" r:id="rId23"/>
+    <p:sldId id="258" r:id="rId24"/>
   </p:sldIdLst>
   <p:sldSz cx="9144000" cy="6858000" type="screen4x3"/>
   <p:notesSz cx="6858000" cy="9144000"/>
@@ -212,7 +215,7 @@
             <a:fld id="{1AA0A25A-0933-4BB6-AB00-1CCD3F98FE01}" type="datetimeFigureOut">
               <a:rPr lang="zh-TW" altLang="en-US" smtClean="0"/>
               <a:pPr/>
-              <a:t>2019/8/8</a:t>
+              <a:t>2019/8/12</a:t>
             </a:fld>
             <a:endParaRPr lang="zh-TW" altLang="en-US"/>
           </a:p>
@@ -826,6 +829,453 @@
 </p:notes>
 </file>
 
+<file path=ppt/notesSlides/notesSlide2.xml><?xml version="1.0" encoding="utf-8"?>
+<p:notes xmlns:a="http://schemas.openxmlformats.org/drawingml/2006/main" xmlns:r="http://schemas.openxmlformats.org/officeDocument/2006/relationships" xmlns:p="http://schemas.openxmlformats.org/presentationml/2006/main">
+  <p:cSld>
+    <p:spTree>
+      <p:nvGrpSpPr>
+        <p:cNvPr id="1" name=""/>
+        <p:cNvGrpSpPr/>
+        <p:nvPr/>
+      </p:nvGrpSpPr>
+      <p:grpSpPr>
+        <a:xfrm>
+          <a:off x="0" y="0"/>
+          <a:ext cx="0" cy="0"/>
+          <a:chOff x="0" y="0"/>
+          <a:chExt cx="0" cy="0"/>
+        </a:xfrm>
+      </p:grpSpPr>
+      <p:sp>
+        <p:nvSpPr>
+          <p:cNvPr id="2" name="投影片圖像版面配置區 1"/>
+          <p:cNvSpPr>
+            <a:spLocks noGrp="1" noRot="1" noChangeAspect="1"/>
+          </p:cNvSpPr>
+          <p:nvPr>
+            <p:ph type="sldImg"/>
+          </p:nvPr>
+        </p:nvSpPr>
+        <p:spPr/>
+      </p:sp>
+      <p:sp>
+        <p:nvSpPr>
+          <p:cNvPr id="3" name="備忘稿版面配置區 2"/>
+          <p:cNvSpPr>
+            <a:spLocks noGrp="1"/>
+          </p:cNvSpPr>
+          <p:nvPr>
+            <p:ph type="body" idx="1"/>
+          </p:nvPr>
+        </p:nvSpPr>
+        <p:spPr/>
+        <p:txBody>
+          <a:bodyPr>
+            <a:normAutofit/>
+          </a:bodyPr>
+          <a:lstStyle/>
+          <a:p>
+            <a:pPr fontAlgn="base"/>
+            <a:r>
+              <a:rPr lang="en-US" altLang="zh-CN" sz="1200" b="0" i="0" kern="1200" dirty="0" smtClean="0">
+                <a:solidFill>
+                  <a:schemeClr val="tx1"/>
+                </a:solidFill>
+                <a:latin typeface="+mn-lt"/>
+                <a:ea typeface="+mn-ea"/>
+                <a:cs typeface="+mn-cs"/>
+              </a:rPr>
+              <a:t>Chaos Monkey</a:t>
+            </a:r>
+            <a:r>
+              <a:rPr lang="zh-CN" altLang="en-US" sz="1200" b="0" i="0" kern="1200" dirty="0" smtClean="0">
+                <a:solidFill>
+                  <a:schemeClr val="tx1"/>
+                </a:solidFill>
+                <a:latin typeface="+mn-lt"/>
+                <a:ea typeface="+mn-ea"/>
+                <a:cs typeface="+mn-cs"/>
+              </a:rPr>
+              <a:t>：可以随机关闭生产环境中的实例，确保网站系统能够经受故障的考验，同时不会影响客户的正常使用。</a:t>
+            </a:r>
+          </a:p>
+          <a:p>
+            <a:pPr fontAlgn="base"/>
+            <a:r>
+              <a:rPr lang="en-US" altLang="zh-CN" sz="1200" b="0" i="0" kern="1200" dirty="0" smtClean="0">
+                <a:solidFill>
+                  <a:schemeClr val="tx1"/>
+                </a:solidFill>
+                <a:latin typeface="+mn-lt"/>
+                <a:ea typeface="+mn-ea"/>
+                <a:cs typeface="+mn-cs"/>
+              </a:rPr>
+              <a:t>Latency Monkey</a:t>
+            </a:r>
+            <a:r>
+              <a:rPr lang="zh-CN" altLang="en-US" sz="1200" b="0" i="0" kern="1200" dirty="0" smtClean="0">
+                <a:solidFill>
+                  <a:schemeClr val="tx1"/>
+                </a:solidFill>
+                <a:latin typeface="+mn-lt"/>
+                <a:ea typeface="+mn-ea"/>
+                <a:cs typeface="+mn-cs"/>
+              </a:rPr>
+              <a:t>：在 </a:t>
+            </a:r>
+            <a:r>
+              <a:rPr lang="en-US" altLang="zh-CN" sz="1200" b="0" i="0" kern="1200" dirty="0" err="1" smtClean="0">
+                <a:solidFill>
+                  <a:schemeClr val="tx1"/>
+                </a:solidFill>
+                <a:latin typeface="+mn-lt"/>
+                <a:ea typeface="+mn-ea"/>
+                <a:cs typeface="+mn-cs"/>
+              </a:rPr>
+              <a:t>RESTful</a:t>
+            </a:r>
+            <a:r>
+              <a:rPr lang="en-US" altLang="zh-CN" sz="1200" b="0" i="0" kern="1200" dirty="0" smtClean="0">
+                <a:solidFill>
+                  <a:schemeClr val="tx1"/>
+                </a:solidFill>
+                <a:latin typeface="+mn-lt"/>
+                <a:ea typeface="+mn-ea"/>
+                <a:cs typeface="+mn-cs"/>
+              </a:rPr>
+              <a:t> </a:t>
+            </a:r>
+            <a:r>
+              <a:rPr lang="zh-CN" altLang="en-US" sz="1200" b="0" i="0" kern="1200" dirty="0" smtClean="0">
+                <a:solidFill>
+                  <a:schemeClr val="tx1"/>
+                </a:solidFill>
+                <a:latin typeface="+mn-lt"/>
+                <a:ea typeface="+mn-ea"/>
+                <a:cs typeface="+mn-cs"/>
+              </a:rPr>
+              <a:t>服务的调用中人为引入延迟来模拟服务降级，测量上游服务是否会做出恰当响应。通过引入长时间延迟，还可以模拟节点甚至整个服务不可用。</a:t>
+            </a:r>
+          </a:p>
+          <a:p>
+            <a:pPr fontAlgn="base"/>
+            <a:r>
+              <a:rPr lang="en-US" altLang="zh-CN" sz="1200" b="0" i="0" kern="1200" dirty="0" smtClean="0">
+                <a:solidFill>
+                  <a:schemeClr val="tx1"/>
+                </a:solidFill>
+                <a:latin typeface="+mn-lt"/>
+                <a:ea typeface="+mn-ea"/>
+                <a:cs typeface="+mn-cs"/>
+              </a:rPr>
+              <a:t>Conformity Monkey</a:t>
+            </a:r>
+            <a:r>
+              <a:rPr lang="zh-CN" altLang="en-US" sz="1200" b="0" i="0" kern="1200" dirty="0" smtClean="0">
+                <a:solidFill>
+                  <a:schemeClr val="tx1"/>
+                </a:solidFill>
+                <a:latin typeface="+mn-lt"/>
+                <a:ea typeface="+mn-ea"/>
+                <a:cs typeface="+mn-cs"/>
+              </a:rPr>
+              <a:t>：查找不符合最佳实践的实例，并将其关闭。例如，如果某个实例不在自动伸缩组里，那么就将其关闭，让服务所有者能重新让其正常启动。</a:t>
+            </a:r>
+          </a:p>
+          <a:p>
+            <a:pPr fontAlgn="base"/>
+            <a:r>
+              <a:rPr lang="en-US" altLang="zh-CN" sz="1200" b="0" i="0" kern="1200" dirty="0" smtClean="0">
+                <a:solidFill>
+                  <a:schemeClr val="tx1"/>
+                </a:solidFill>
+                <a:latin typeface="+mn-lt"/>
+                <a:ea typeface="+mn-ea"/>
+                <a:cs typeface="+mn-cs"/>
+              </a:rPr>
+              <a:t>Doctor Monkey</a:t>
+            </a:r>
+            <a:r>
+              <a:rPr lang="zh-CN" altLang="en-US" sz="1200" b="0" i="0" kern="1200" dirty="0" smtClean="0">
+                <a:solidFill>
+                  <a:schemeClr val="tx1"/>
+                </a:solidFill>
+                <a:latin typeface="+mn-lt"/>
+                <a:ea typeface="+mn-ea"/>
+                <a:cs typeface="+mn-cs"/>
+              </a:rPr>
+              <a:t>：查找不健康实例的工具，除了运行在每个实例上的健康检查，还会监控外部健康信号，一旦发现不健康实例就会将其移出服务组。</a:t>
+            </a:r>
+          </a:p>
+          <a:p>
+            <a:pPr fontAlgn="base"/>
+            <a:r>
+              <a:rPr lang="en-US" altLang="zh-CN" sz="1200" b="0" i="0" kern="1200" dirty="0" smtClean="0">
+                <a:solidFill>
+                  <a:schemeClr val="tx1"/>
+                </a:solidFill>
+                <a:latin typeface="+mn-lt"/>
+                <a:ea typeface="+mn-ea"/>
+                <a:cs typeface="+mn-cs"/>
+              </a:rPr>
+              <a:t>Janitor Monkey</a:t>
+            </a:r>
+            <a:r>
+              <a:rPr lang="zh-CN" altLang="en-US" sz="1200" b="0" i="0" kern="1200" dirty="0" smtClean="0">
+                <a:solidFill>
+                  <a:schemeClr val="tx1"/>
+                </a:solidFill>
+                <a:latin typeface="+mn-lt"/>
+                <a:ea typeface="+mn-ea"/>
+                <a:cs typeface="+mn-cs"/>
+              </a:rPr>
+              <a:t>：查找不再需要的资源，将其回收，这能在一定程度上降低云资源的浪费。</a:t>
+            </a:r>
+          </a:p>
+          <a:p>
+            <a:pPr fontAlgn="base"/>
+            <a:r>
+              <a:rPr lang="en-US" altLang="zh-CN" sz="1200" b="0" i="0" kern="1200" dirty="0" smtClean="0">
+                <a:solidFill>
+                  <a:schemeClr val="tx1"/>
+                </a:solidFill>
+                <a:latin typeface="+mn-lt"/>
+                <a:ea typeface="+mn-ea"/>
+                <a:cs typeface="+mn-cs"/>
+              </a:rPr>
+              <a:t>Security Monkey</a:t>
+            </a:r>
+            <a:r>
+              <a:rPr lang="zh-CN" altLang="en-US" sz="1200" b="0" i="0" kern="1200" dirty="0" smtClean="0">
+                <a:solidFill>
+                  <a:schemeClr val="tx1"/>
+                </a:solidFill>
+                <a:latin typeface="+mn-lt"/>
+                <a:ea typeface="+mn-ea"/>
+                <a:cs typeface="+mn-cs"/>
+              </a:rPr>
+              <a:t>：这是 </a:t>
+            </a:r>
+            <a:r>
+              <a:rPr lang="en-US" altLang="zh-CN" sz="1200" b="0" i="0" kern="1200" dirty="0" smtClean="0">
+                <a:solidFill>
+                  <a:schemeClr val="tx1"/>
+                </a:solidFill>
+                <a:latin typeface="+mn-lt"/>
+                <a:ea typeface="+mn-ea"/>
+                <a:cs typeface="+mn-cs"/>
+              </a:rPr>
+              <a:t>Conformity Monkey </a:t>
+            </a:r>
+            <a:r>
+              <a:rPr lang="zh-CN" altLang="en-US" sz="1200" b="0" i="0" kern="1200" dirty="0" smtClean="0">
+                <a:solidFill>
+                  <a:schemeClr val="tx1"/>
+                </a:solidFill>
+                <a:latin typeface="+mn-lt"/>
+                <a:ea typeface="+mn-ea"/>
+                <a:cs typeface="+mn-cs"/>
+              </a:rPr>
+              <a:t>的一个扩展，检查系统的安全漏洞，同时也会保证 </a:t>
+            </a:r>
+            <a:r>
+              <a:rPr lang="en-US" altLang="zh-CN" sz="1200" b="0" i="0" kern="1200" dirty="0" smtClean="0">
+                <a:solidFill>
+                  <a:schemeClr val="tx1"/>
+                </a:solidFill>
+                <a:latin typeface="+mn-lt"/>
+                <a:ea typeface="+mn-ea"/>
+                <a:cs typeface="+mn-cs"/>
+              </a:rPr>
+              <a:t>SSL </a:t>
+            </a:r>
+            <a:r>
+              <a:rPr lang="zh-CN" altLang="en-US" sz="1200" b="0" i="0" kern="1200" dirty="0" smtClean="0">
+                <a:solidFill>
+                  <a:schemeClr val="tx1"/>
+                </a:solidFill>
+                <a:latin typeface="+mn-lt"/>
+                <a:ea typeface="+mn-ea"/>
+                <a:cs typeface="+mn-cs"/>
+              </a:rPr>
+              <a:t>和 </a:t>
+            </a:r>
+            <a:r>
+              <a:rPr lang="en-US" altLang="zh-CN" sz="1200" b="0" i="0" kern="1200" dirty="0" smtClean="0">
+                <a:solidFill>
+                  <a:schemeClr val="tx1"/>
+                </a:solidFill>
+                <a:latin typeface="+mn-lt"/>
+                <a:ea typeface="+mn-ea"/>
+                <a:cs typeface="+mn-cs"/>
+              </a:rPr>
+              <a:t>DRM </a:t>
+            </a:r>
+            <a:r>
+              <a:rPr lang="zh-CN" altLang="en-US" sz="1200" b="0" i="0" kern="1200" dirty="0" smtClean="0">
+                <a:solidFill>
+                  <a:schemeClr val="tx1"/>
+                </a:solidFill>
+                <a:latin typeface="+mn-lt"/>
+                <a:ea typeface="+mn-ea"/>
+                <a:cs typeface="+mn-cs"/>
+              </a:rPr>
+              <a:t>证书仍然有效。</a:t>
+            </a:r>
+          </a:p>
+          <a:p>
+            <a:pPr fontAlgn="base"/>
+            <a:r>
+              <a:rPr lang="en-US" altLang="zh-CN" sz="1200" b="0" i="0" kern="1200" dirty="0" smtClean="0">
+                <a:solidFill>
+                  <a:schemeClr val="tx1"/>
+                </a:solidFill>
+                <a:latin typeface="+mn-lt"/>
+                <a:ea typeface="+mn-ea"/>
+                <a:cs typeface="+mn-cs"/>
+              </a:rPr>
+              <a:t>10-18 Monkey</a:t>
+            </a:r>
+            <a:r>
+              <a:rPr lang="zh-CN" altLang="en-US" sz="1200" b="0" i="0" kern="1200" dirty="0" smtClean="0">
+                <a:solidFill>
+                  <a:schemeClr val="tx1"/>
+                </a:solidFill>
+                <a:latin typeface="+mn-lt"/>
+                <a:ea typeface="+mn-ea"/>
+                <a:cs typeface="+mn-cs"/>
+              </a:rPr>
+              <a:t>：运行本地化及国际化的配置检查，确保不同地区、使用不同语言和字符集的用户能正常使用 </a:t>
+            </a:r>
+            <a:r>
+              <a:rPr lang="en-US" altLang="zh-CN" sz="1200" b="0" i="0" kern="1200" dirty="0" smtClean="0">
+                <a:solidFill>
+                  <a:schemeClr val="tx1"/>
+                </a:solidFill>
+                <a:latin typeface="+mn-lt"/>
+                <a:ea typeface="+mn-ea"/>
+                <a:cs typeface="+mn-cs"/>
+              </a:rPr>
+              <a:t>Netflix</a:t>
+            </a:r>
+            <a:r>
+              <a:rPr lang="zh-CN" altLang="en-US" sz="1200" b="0" i="0" kern="1200" dirty="0" smtClean="0">
+                <a:solidFill>
+                  <a:schemeClr val="tx1"/>
+                </a:solidFill>
+                <a:latin typeface="+mn-lt"/>
+                <a:ea typeface="+mn-ea"/>
+                <a:cs typeface="+mn-cs"/>
+              </a:rPr>
+              <a:t>。</a:t>
+            </a:r>
+          </a:p>
+          <a:p>
+            <a:pPr fontAlgn="base"/>
+            <a:r>
+              <a:rPr lang="en-US" altLang="zh-CN" sz="1200" b="0" i="0" kern="1200" dirty="0" smtClean="0">
+                <a:solidFill>
+                  <a:schemeClr val="tx1"/>
+                </a:solidFill>
+                <a:latin typeface="+mn-lt"/>
+                <a:ea typeface="+mn-ea"/>
+                <a:cs typeface="+mn-cs"/>
+              </a:rPr>
+              <a:t>Chaos Gorilla</a:t>
+            </a:r>
+            <a:r>
+              <a:rPr lang="zh-CN" altLang="en-US" sz="1200" b="0" i="0" kern="1200" dirty="0" smtClean="0">
+                <a:solidFill>
+                  <a:schemeClr val="tx1"/>
+                </a:solidFill>
+                <a:latin typeface="+mn-lt"/>
+                <a:ea typeface="+mn-ea"/>
+                <a:cs typeface="+mn-cs"/>
+              </a:rPr>
+              <a:t>：</a:t>
+            </a:r>
+            <a:r>
+              <a:rPr lang="en-US" altLang="zh-CN" sz="1200" b="0" i="0" kern="1200" dirty="0" smtClean="0">
+                <a:solidFill>
+                  <a:schemeClr val="tx1"/>
+                </a:solidFill>
+                <a:latin typeface="+mn-lt"/>
+                <a:ea typeface="+mn-ea"/>
+                <a:cs typeface="+mn-cs"/>
+              </a:rPr>
+              <a:t>Chaos Monkey </a:t>
+            </a:r>
+            <a:r>
+              <a:rPr lang="zh-CN" altLang="en-US" sz="1200" b="0" i="0" kern="1200" dirty="0" smtClean="0">
+                <a:solidFill>
+                  <a:schemeClr val="tx1"/>
+                </a:solidFill>
+                <a:latin typeface="+mn-lt"/>
+                <a:ea typeface="+mn-ea"/>
+                <a:cs typeface="+mn-cs"/>
+              </a:rPr>
+              <a:t>的升级版，可以模拟整个 </a:t>
+            </a:r>
+            <a:r>
+              <a:rPr lang="en-US" altLang="zh-CN" sz="1200" b="0" i="0" kern="1200" dirty="0" smtClean="0">
+                <a:solidFill>
+                  <a:schemeClr val="tx1"/>
+                </a:solidFill>
+                <a:latin typeface="+mn-lt"/>
+                <a:ea typeface="+mn-ea"/>
+                <a:cs typeface="+mn-cs"/>
+              </a:rPr>
+              <a:t>AWS Availability Zone </a:t>
+            </a:r>
+            <a:r>
+              <a:rPr lang="zh-CN" altLang="en-US" sz="1200" b="0" i="0" kern="1200" dirty="0" smtClean="0">
+                <a:solidFill>
+                  <a:schemeClr val="tx1"/>
+                </a:solidFill>
+                <a:latin typeface="+mn-lt"/>
+                <a:ea typeface="+mn-ea"/>
+                <a:cs typeface="+mn-cs"/>
+              </a:rPr>
+              <a:t>故障，以验证在不影响用户，且无需人工干预的情况下，能够自动进行可用区的重新平衡。</a:t>
+            </a:r>
+          </a:p>
+          <a:p>
+            <a:endParaRPr lang="zh-TW" altLang="en-US" dirty="0"/>
+          </a:p>
+        </p:txBody>
+      </p:sp>
+      <p:sp>
+        <p:nvSpPr>
+          <p:cNvPr id="4" name="投影片編號版面配置區 3"/>
+          <p:cNvSpPr>
+            <a:spLocks noGrp="1"/>
+          </p:cNvSpPr>
+          <p:nvPr>
+            <p:ph type="sldNum" sz="quarter" idx="10"/>
+          </p:nvPr>
+        </p:nvSpPr>
+        <p:spPr/>
+        <p:txBody>
+          <a:bodyPr/>
+          <a:lstStyle/>
+          <a:p>
+            <a:fld id="{EBCDBD26-8CC2-46A5-955D-726EBB0D1348}" type="slidenum">
+              <a:rPr lang="zh-TW" altLang="en-US" smtClean="0"/>
+              <a:pPr/>
+              <a:t>9</a:t>
+            </a:fld>
+            <a:endParaRPr lang="zh-TW" altLang="en-US"/>
+          </a:p>
+        </p:txBody>
+      </p:sp>
+    </p:spTree>
+  </p:cSld>
+  <p:clrMapOvr>
+    <a:masterClrMapping/>
+  </p:clrMapOvr>
+</p:notes>
+</file>
+
 <file path=ppt/slideLayouts/slideLayout1.xml><?xml version="1.0" encoding="utf-8"?>
 <p:sldLayout xmlns:a="http://schemas.openxmlformats.org/drawingml/2006/main" xmlns:r="http://schemas.openxmlformats.org/officeDocument/2006/relationships" xmlns:p="http://schemas.openxmlformats.org/presentationml/2006/main" type="title" preserve="1">
   <p:cSld name="標題投影片">
@@ -1008,7 +1458,7 @@
             <a:fld id="{FD877D34-32F8-4B33-9092-4B8820F5807F}" type="datetimeFigureOut">
               <a:rPr lang="zh-TW" altLang="en-US" smtClean="0"/>
               <a:pPr/>
-              <a:t>2019/8/8</a:t>
+              <a:t>2019/8/12</a:t>
             </a:fld>
             <a:endParaRPr lang="zh-TW" altLang="en-US"/>
           </a:p>
@@ -1175,7 +1625,7 @@
             <a:fld id="{FD877D34-32F8-4B33-9092-4B8820F5807F}" type="datetimeFigureOut">
               <a:rPr lang="zh-TW" altLang="en-US" smtClean="0"/>
               <a:pPr/>
-              <a:t>2019/8/8</a:t>
+              <a:t>2019/8/12</a:t>
             </a:fld>
             <a:endParaRPr lang="zh-TW" altLang="en-US"/>
           </a:p>
@@ -1352,7 +1802,7 @@
             <a:fld id="{FD877D34-32F8-4B33-9092-4B8820F5807F}" type="datetimeFigureOut">
               <a:rPr lang="zh-TW" altLang="en-US" smtClean="0"/>
               <a:pPr/>
-              <a:t>2019/8/8</a:t>
+              <a:t>2019/8/12</a:t>
             </a:fld>
             <a:endParaRPr lang="zh-TW" altLang="en-US"/>
           </a:p>
@@ -1519,7 +1969,7 @@
             <a:fld id="{FD877D34-32F8-4B33-9092-4B8820F5807F}" type="datetimeFigureOut">
               <a:rPr lang="zh-TW" altLang="en-US" smtClean="0"/>
               <a:pPr/>
-              <a:t>2019/8/8</a:t>
+              <a:t>2019/8/12</a:t>
             </a:fld>
             <a:endParaRPr lang="zh-TW" altLang="en-US"/>
           </a:p>
@@ -1762,7 +2212,7 @@
             <a:fld id="{FD877D34-32F8-4B33-9092-4B8820F5807F}" type="datetimeFigureOut">
               <a:rPr lang="zh-TW" altLang="en-US" smtClean="0"/>
               <a:pPr/>
-              <a:t>2019/8/8</a:t>
+              <a:t>2019/8/12</a:t>
             </a:fld>
             <a:endParaRPr lang="zh-TW" altLang="en-US"/>
           </a:p>
@@ -2047,7 +2497,7 @@
             <a:fld id="{FD877D34-32F8-4B33-9092-4B8820F5807F}" type="datetimeFigureOut">
               <a:rPr lang="zh-TW" altLang="en-US" smtClean="0"/>
               <a:pPr/>
-              <a:t>2019/8/8</a:t>
+              <a:t>2019/8/12</a:t>
             </a:fld>
             <a:endParaRPr lang="zh-TW" altLang="en-US"/>
           </a:p>
@@ -2466,7 +2916,7 @@
             <a:fld id="{FD877D34-32F8-4B33-9092-4B8820F5807F}" type="datetimeFigureOut">
               <a:rPr lang="zh-TW" altLang="en-US" smtClean="0"/>
               <a:pPr/>
-              <a:t>2019/8/8</a:t>
+              <a:t>2019/8/12</a:t>
             </a:fld>
             <a:endParaRPr lang="zh-TW" altLang="en-US"/>
           </a:p>
@@ -2581,7 +3031,7 @@
             <a:fld id="{FD877D34-32F8-4B33-9092-4B8820F5807F}" type="datetimeFigureOut">
               <a:rPr lang="zh-TW" altLang="en-US" smtClean="0"/>
               <a:pPr/>
-              <a:t>2019/8/8</a:t>
+              <a:t>2019/8/12</a:t>
             </a:fld>
             <a:endParaRPr lang="zh-TW" altLang="en-US"/>
           </a:p>
@@ -2673,7 +3123,7 @@
             <a:fld id="{FD877D34-32F8-4B33-9092-4B8820F5807F}" type="datetimeFigureOut">
               <a:rPr lang="zh-TW" altLang="en-US" smtClean="0"/>
               <a:pPr/>
-              <a:t>2019/8/8</a:t>
+              <a:t>2019/8/12</a:t>
             </a:fld>
             <a:endParaRPr lang="zh-TW" altLang="en-US"/>
           </a:p>
@@ -2947,7 +3397,7 @@
             <a:fld id="{FD877D34-32F8-4B33-9092-4B8820F5807F}" type="datetimeFigureOut">
               <a:rPr lang="zh-TW" altLang="en-US" smtClean="0"/>
               <a:pPr/>
-              <a:t>2019/8/8</a:t>
+              <a:t>2019/8/12</a:t>
             </a:fld>
             <a:endParaRPr lang="zh-TW" altLang="en-US"/>
           </a:p>
@@ -3197,7 +3647,7 @@
             <a:fld id="{FD877D34-32F8-4B33-9092-4B8820F5807F}" type="datetimeFigureOut">
               <a:rPr lang="zh-TW" altLang="en-US" smtClean="0"/>
               <a:pPr/>
-              <a:t>2019/8/8</a:t>
+              <a:t>2019/8/12</a:t>
             </a:fld>
             <a:endParaRPr lang="zh-TW" altLang="en-US"/>
           </a:p>
@@ -3407,7 +3857,7 @@
             <a:fld id="{FD877D34-32F8-4B33-9092-4B8820F5807F}" type="datetimeFigureOut">
               <a:rPr lang="zh-TW" altLang="en-US" smtClean="0"/>
               <a:pPr/>
-              <a:t>2019/8/8</a:t>
+              <a:t>2019/8/12</a:t>
             </a:fld>
             <a:endParaRPr lang="zh-TW" altLang="en-US"/>
           </a:p>
@@ -3816,7 +4266,11 @@
           <a:bodyPr/>
           <a:lstStyle/>
           <a:p>
-            <a:endParaRPr lang="zh-TW" altLang="en-US"/>
+            <a:r>
+              <a:rPr lang="en-US" altLang="zh-TW" dirty="0" smtClean="0"/>
+              <a:t>Jim Liu</a:t>
+            </a:r>
+            <a:endParaRPr lang="zh-TW" altLang="en-US" dirty="0"/>
           </a:p>
         </p:txBody>
       </p:sp>
@@ -3825,6 +4279,13 @@
   <p:clrMapOvr>
     <a:masterClrMapping/>
   </p:clrMapOvr>
+  <p:timing>
+    <p:tnLst>
+      <p:par>
+        <p:cTn id="1" dur="indefinite" restart="never" nodeType="tmRoot"/>
+      </p:par>
+    </p:tnLst>
+  </p:timing>
 </p:sld>
 </file>
 
@@ -3886,7 +4347,7 @@
         </p:spPr>
         <p:txBody>
           <a:bodyPr>
-            <a:normAutofit/>
+            <a:normAutofit lnSpcReduction="10000"/>
           </a:bodyPr>
           <a:lstStyle/>
           <a:p>
@@ -3927,7 +4388,19 @@
           <a:p>
             <a:r>
               <a:rPr lang="en-US" altLang="zh-TW" dirty="0" smtClean="0"/>
-              <a:t>Service have to be </a:t>
+              <a:t>Service </a:t>
+            </a:r>
+            <a:r>
+              <a:rPr lang="en-US" altLang="zh-TW" dirty="0" smtClean="0"/>
+              <a:t>must be </a:t>
+            </a:r>
+            <a:r>
+              <a:rPr lang="en-US" altLang="zh-TW" b="1" dirty="0" smtClean="0">
+                <a:solidFill>
+                  <a:srgbClr val="FF0000"/>
+                </a:solidFill>
+              </a:rPr>
+              <a:t>STATELESS</a:t>
             </a:r>
             <a:r>
               <a:rPr lang="en-US" altLang="zh-TW" dirty="0" smtClean="0">
@@ -3935,18 +4408,31 @@
                   <a:srgbClr val="FF0000"/>
                 </a:solidFill>
               </a:rPr>
-              <a:t>STATELESS </a:t>
-            </a:r>
-            <a:r>
-              <a:rPr lang="en-US" altLang="zh-TW" dirty="0" smtClean="0"/>
-              <a:t>(pure , functional) to prevent data-losing</a:t>
-            </a:r>
+              <a:t> </a:t>
+            </a:r>
+            <a:r>
+              <a:rPr lang="en-US" altLang="zh-TW" dirty="0" smtClean="0"/>
+              <a:t>(pure , functional) to prevent </a:t>
+            </a:r>
+            <a:r>
+              <a:rPr lang="en-US" altLang="zh-TW" dirty="0" smtClean="0"/>
+              <a:t>data-losing</a:t>
+            </a:r>
+            <a:endParaRPr lang="en-US" altLang="zh-TW" dirty="0" smtClean="0"/>
           </a:p>
           <a:p>
             <a:pPr lvl="1"/>
             <a:r>
               <a:rPr lang="en-US" altLang="zh-TW" dirty="0" smtClean="0"/>
-              <a:t>Outside Storage : No info in </a:t>
+              <a:t>No info in in-app-memory</a:t>
+            </a:r>
+            <a:r>
+              <a:rPr lang="zh-TW" altLang="en-US" dirty="0" smtClean="0"/>
+              <a:t> </a:t>
+            </a:r>
+            <a:r>
+              <a:rPr lang="en-US" altLang="zh-TW" dirty="0" smtClean="0"/>
+              <a:t>:</a:t>
             </a:r>
             <a:r>
               <a:rPr lang="en-US" altLang="zh-TW" dirty="0" smtClean="0">
@@ -3954,22 +4440,82 @@
                   <a:srgbClr val="FF0000"/>
                 </a:solidFill>
               </a:rPr>
-              <a:t>in-app-memory</a:t>
+              <a:t> Outside Storage</a:t>
             </a:r>
           </a:p>
           <a:p>
             <a:pPr lvl="1"/>
             <a:r>
-              <a:rPr lang="en-US" altLang="zh-TW" dirty="0" smtClean="0"/>
-              <a:t>Outside Storage HA</a:t>
+              <a:rPr lang="en-US" altLang="zh-TW" dirty="0" smtClean="0">
+                <a:solidFill>
+                  <a:srgbClr val="FF0000"/>
+                </a:solidFill>
+              </a:rPr>
+              <a:t>ACK</a:t>
+            </a:r>
+            <a:r>
+              <a:rPr lang="zh-TW" altLang="en-US" dirty="0" smtClean="0">
+                <a:solidFill>
+                  <a:srgbClr val="FF0000"/>
+                </a:solidFill>
+              </a:rPr>
+              <a:t> </a:t>
+            </a:r>
+            <a:r>
+              <a:rPr lang="en-US" altLang="zh-TW" dirty="0" smtClean="0"/>
+              <a:t>(Queue)</a:t>
             </a:r>
           </a:p>
           <a:p>
             <a:pPr lvl="1"/>
             <a:r>
-              <a:rPr lang="en-US" altLang="zh-TW" dirty="0" smtClean="0"/>
-              <a:t>Using ACK</a:t>
-            </a:r>
+              <a:rPr lang="en-US" altLang="zh-TW" dirty="0" smtClean="0">
+                <a:solidFill>
+                  <a:srgbClr val="FF0000"/>
+                </a:solidFill>
+              </a:rPr>
+              <a:t>Status Flag</a:t>
+            </a:r>
+            <a:r>
+              <a:rPr lang="en-US" altLang="zh-TW" dirty="0" smtClean="0"/>
+              <a:t> (DB)</a:t>
+            </a:r>
+          </a:p>
+          <a:p>
+            <a:pPr lvl="1"/>
+            <a:r>
+              <a:rPr lang="en-US" altLang="zh-TW" dirty="0" smtClean="0"/>
+              <a:t>Outside Storage </a:t>
+            </a:r>
+            <a:r>
+              <a:rPr lang="en-US" altLang="zh-TW" dirty="0" smtClean="0">
+                <a:solidFill>
+                  <a:srgbClr val="FF0000"/>
+                </a:solidFill>
+              </a:rPr>
+              <a:t>Data-persisting</a:t>
+            </a:r>
+            <a:r>
+              <a:rPr lang="en-US" altLang="zh-TW" dirty="0" smtClean="0"/>
+              <a:t> &amp; </a:t>
+            </a:r>
+            <a:r>
+              <a:rPr lang="en-US" altLang="zh-TW" dirty="0" smtClean="0">
+                <a:solidFill>
+                  <a:srgbClr val="FF0000"/>
+                </a:solidFill>
+              </a:rPr>
+              <a:t>HA</a:t>
+            </a:r>
+            <a:endParaRPr lang="en-US" altLang="zh-TW" dirty="0" smtClean="0">
+              <a:solidFill>
+                <a:srgbClr val="FF0000"/>
+              </a:solidFill>
+            </a:endParaRPr>
+          </a:p>
+          <a:p>
+            <a:pPr lvl="1"/>
+            <a:endParaRPr lang="en-US" altLang="zh-TW" dirty="0" smtClean="0"/>
           </a:p>
           <a:p>
             <a:pPr>
@@ -4066,12 +4612,8 @@
               <a:t>Sync : </a:t>
             </a:r>
             <a:r>
-              <a:rPr lang="en-US" altLang="zh-TW" b="1" dirty="0" smtClean="0">
-                <a:solidFill>
-                  <a:srgbClr val="FF0000"/>
-                </a:solidFill>
-              </a:rPr>
-              <a:t>Restful</a:t>
+              <a:rPr lang="en-US" altLang="zh-TW" dirty="0" smtClean="0"/>
+              <a:t>Socket, Restful</a:t>
             </a:r>
             <a:r>
               <a:rPr lang="en-US" altLang="zh-TW" dirty="0" smtClean="0"/>
@@ -4085,10 +4627,7 @@
               <a:rPr lang="en-US" altLang="zh-TW" dirty="0" err="1" smtClean="0"/>
               <a:t>Websocket</a:t>
             </a:r>
-            <a:r>
-              <a:rPr lang="en-US" altLang="zh-TW" dirty="0" smtClean="0"/>
-              <a:t>, Socket</a:t>
-            </a:r>
+            <a:endParaRPr lang="en-US" altLang="zh-TW" dirty="0" smtClean="0"/>
           </a:p>
           <a:p>
             <a:r>
@@ -4263,7 +4802,7 @@
         <p:spPr>
           <a:xfrm>
             <a:off x="251520" y="2276872"/>
-            <a:ext cx="4176464" cy="2592288"/>
+            <a:ext cx="3672408" cy="2592288"/>
           </a:xfrm>
         </p:spPr>
         <p:txBody>
@@ -4274,11 +4813,8 @@
           <a:p>
             <a:r>
               <a:rPr lang="en-US" altLang="zh-TW" dirty="0" smtClean="0"/>
-              <a:t>Where is XXX service ? What’s the IP ?</a:t>
-            </a:r>
-          </a:p>
-          <a:p>
-            <a:endParaRPr lang="en-US" altLang="zh-TW" dirty="0" smtClean="0"/>
+              <a:t>Where is XXX service ? </a:t>
+            </a:r>
           </a:p>
           <a:p>
             <a:r>
@@ -4318,8 +4854,8 @@
         </p:blipFill>
         <p:spPr>
           <a:xfrm>
-            <a:off x="4499992" y="1412776"/>
-            <a:ext cx="4515438" cy="4603631"/>
+            <a:off x="3275856" y="1412776"/>
+            <a:ext cx="5739574" cy="5112568"/>
           </a:xfrm>
           <a:prstGeom prst="rect">
             <a:avLst/>
@@ -4398,13 +4934,13 @@
         </p:nvSpPr>
         <p:spPr>
           <a:xfrm>
-            <a:off x="611560" y="4653136"/>
-            <a:ext cx="8136904" cy="2043607"/>
+            <a:off x="323528" y="4797152"/>
+            <a:ext cx="8640960" cy="1872208"/>
           </a:xfrm>
         </p:spPr>
         <p:txBody>
           <a:bodyPr>
-            <a:normAutofit/>
+            <a:normAutofit fontScale="92500"/>
           </a:bodyPr>
           <a:lstStyle/>
           <a:p>
@@ -4418,8 +4954,29 @@
             </a:r>
             <a:r>
               <a:rPr lang="en-US" altLang="zh-TW" dirty="0" smtClean="0"/>
-              <a:t>Registering when service started</a:t>
-            </a:r>
+              <a:t>Registering when service </a:t>
+            </a:r>
+            <a:r>
+              <a:rPr lang="en-US" altLang="zh-TW" dirty="0" smtClean="0"/>
+              <a:t>started</a:t>
+            </a:r>
+            <a:r>
+              <a:rPr lang="zh-TW" altLang="en-US" dirty="0" smtClean="0"/>
+              <a:t> </a:t>
+            </a:r>
+            <a:r>
+              <a:rPr lang="en-US" altLang="zh-TW" dirty="0" smtClean="0"/>
+              <a:t>/</a:t>
+            </a:r>
+            <a:r>
+              <a:rPr lang="zh-TW" altLang="en-US" dirty="0" smtClean="0"/>
+              <a:t> </a:t>
+            </a:r>
+            <a:r>
+              <a:rPr lang="en-US" altLang="zh-TW" dirty="0" smtClean="0"/>
+              <a:t>leaved</a:t>
+            </a:r>
+            <a:endParaRPr lang="en-US" altLang="zh-TW" dirty="0" smtClean="0"/>
           </a:p>
           <a:p>
             <a:r>
@@ -4432,8 +4989,13 @@
             </a:r>
             <a:r>
               <a:rPr lang="en-US" altLang="zh-TW" dirty="0" smtClean="0"/>
-              <a:t>Query which IP is available</a:t>
-            </a:r>
+              <a:t>Query which IP </a:t>
+            </a:r>
+            <a:r>
+              <a:rPr lang="en-US" altLang="zh-TW" dirty="0" smtClean="0"/>
+              <a:t>lists</a:t>
+            </a:r>
+            <a:endParaRPr lang="en-US" altLang="zh-TW" dirty="0" smtClean="0"/>
           </a:p>
           <a:p>
             <a:r>
@@ -4446,7 +5008,7 @@
             </a:r>
             <a:r>
               <a:rPr lang="en-US" altLang="zh-TW" dirty="0" smtClean="0"/>
-              <a:t> Any service </a:t>
+              <a:t>Any instance </a:t>
             </a:r>
             <a:r>
               <a:rPr lang="en-US" altLang="zh-TW" dirty="0" smtClean="0">
@@ -4454,11 +5016,15 @@
                   <a:srgbClr val="FF0000"/>
                 </a:solidFill>
               </a:rPr>
-              <a:t>unavailable</a:t>
-            </a:r>
-            <a:r>
-              <a:rPr lang="en-US" altLang="zh-TW" dirty="0" smtClean="0"/>
-              <a:t> ?  </a:t>
+              <a:t>unavailable / slow</a:t>
+            </a:r>
+            <a:r>
+              <a:rPr lang="en-US" altLang="zh-TW" dirty="0" smtClean="0"/>
+              <a:t> </a:t>
+            </a:r>
+            <a:r>
+              <a:rPr lang="en-US" altLang="zh-TW" dirty="0" smtClean="0"/>
+              <a:t>?  </a:t>
             </a:r>
             <a:endParaRPr lang="zh-TW" altLang="en-US" dirty="0" smtClean="0"/>
           </a:p>
@@ -4538,53 +5104,142 @@
         </p:nvSpPr>
         <p:spPr/>
         <p:txBody>
+          <a:bodyPr/>
+          <a:lstStyle/>
+          <a:p>
+            <a:r>
+              <a:rPr lang="en-US" altLang="zh-TW" dirty="0" smtClean="0"/>
+              <a:t>DIY - Redis</a:t>
+            </a:r>
+            <a:endParaRPr lang="zh-TW" altLang="en-US" dirty="0"/>
+          </a:p>
+        </p:txBody>
+      </p:sp>
+      <p:sp>
+        <p:nvSpPr>
+          <p:cNvPr id="3" name="內容版面配置區 2"/>
+          <p:cNvSpPr>
+            <a:spLocks noGrp="1"/>
+          </p:cNvSpPr>
+          <p:nvPr>
+            <p:ph idx="1"/>
+          </p:nvPr>
+        </p:nvSpPr>
+        <p:spPr>
+          <a:xfrm>
+            <a:off x="457200" y="3068960"/>
+            <a:ext cx="8363272" cy="3528392"/>
+          </a:xfrm>
+        </p:spPr>
+        <p:txBody>
           <a:bodyPr>
             <a:normAutofit/>
           </a:bodyPr>
           <a:lstStyle/>
           <a:p>
             <a:r>
-              <a:rPr lang="en-US" altLang="zh-TW" dirty="0" smtClean="0"/>
-              <a:t>DIY - Session Server</a:t>
-            </a:r>
+              <a:rPr lang="en-US" altLang="zh-TW" dirty="0" smtClean="0">
+                <a:solidFill>
+                  <a:srgbClr val="FF0000"/>
+                </a:solidFill>
+              </a:rPr>
+              <a:t>In-Memory</a:t>
+            </a:r>
+            <a:r>
+              <a:rPr lang="en-US" altLang="zh-TW" dirty="0" smtClean="0"/>
+              <a:t> Key-Value DB</a:t>
+            </a:r>
+          </a:p>
+          <a:p>
+            <a:r>
+              <a:rPr lang="en-US" altLang="zh-TW" dirty="0" smtClean="0">
+                <a:solidFill>
+                  <a:srgbClr val="FF0000"/>
+                </a:solidFill>
+              </a:rPr>
+              <a:t>Data persisting</a:t>
+            </a:r>
+            <a:r>
+              <a:rPr lang="en-US" altLang="zh-TW" dirty="0" smtClean="0"/>
+              <a:t> </a:t>
+            </a:r>
+          </a:p>
+          <a:p>
+            <a:r>
+              <a:rPr lang="en-US" altLang="zh-TW" dirty="0" smtClean="0">
+                <a:solidFill>
+                  <a:srgbClr val="FF0000"/>
+                </a:solidFill>
+              </a:rPr>
+              <a:t>HA</a:t>
+            </a:r>
+            <a:r>
+              <a:rPr lang="en-US" altLang="zh-TW" dirty="0" smtClean="0"/>
+              <a:t> (Replication &amp; Cluster) Ready</a:t>
+            </a:r>
+          </a:p>
+          <a:p>
+            <a:r>
+              <a:rPr lang="en-US" altLang="zh-TW" dirty="0" smtClean="0"/>
+              <a:t>Multi-Types</a:t>
+            </a:r>
+          </a:p>
+          <a:p>
+            <a:r>
+              <a:rPr lang="en-US" altLang="zh-TW" dirty="0" smtClean="0"/>
+              <a:t>Transaction (Atomic Operation) Ready</a:t>
+            </a:r>
+          </a:p>
+          <a:p>
+            <a:r>
+              <a:rPr lang="en-US" altLang="zh-TW" dirty="0" smtClean="0"/>
+              <a:t>LUA Script programming</a:t>
+            </a:r>
+          </a:p>
+          <a:p>
+            <a:pPr>
+              <a:buNone/>
+            </a:pPr>
             <a:endParaRPr lang="zh-TW" altLang="en-US" dirty="0"/>
           </a:p>
         </p:txBody>
       </p:sp>
-      <p:sp>
-        <p:nvSpPr>
-          <p:cNvPr id="3" name="內容版面配置區 2"/>
-          <p:cNvSpPr>
-            <a:spLocks noGrp="1"/>
-          </p:cNvSpPr>
-          <p:nvPr>
-            <p:ph idx="1"/>
-          </p:nvPr>
-        </p:nvSpPr>
-        <p:spPr/>
-        <p:txBody>
-          <a:bodyPr/>
-          <a:lstStyle/>
-          <a:p>
-            <a:r>
-              <a:rPr lang="en-US" altLang="zh-TW" dirty="0" smtClean="0"/>
-              <a:t>Github: </a:t>
-            </a:r>
-            <a:r>
-              <a:rPr lang="en-US" altLang="zh-TW" dirty="0" smtClean="0">
-                <a:hlinkClick r:id="rId2"/>
-              </a:rPr>
-              <a:t>https://github.com/jimliu7434/microservice-sample</a:t>
-            </a:r>
-            <a:endParaRPr lang="zh-TW" altLang="en-US" dirty="0"/>
-          </a:p>
-        </p:txBody>
-      </p:sp>
+      <p:pic>
+        <p:nvPicPr>
+          <p:cNvPr id="4" name="圖片 3" descr="1*2xRfmSI_vPVcRTNV2IJrxA.png"/>
+          <p:cNvPicPr>
+            <a:picLocks noChangeAspect="1"/>
+          </p:cNvPicPr>
+          <p:nvPr/>
+        </p:nvPicPr>
+        <p:blipFill>
+          <a:blip r:embed="rId2" cstate="print"/>
+          <a:stretch>
+            <a:fillRect/>
+          </a:stretch>
+        </p:blipFill>
+        <p:spPr>
+          <a:xfrm>
+            <a:off x="1907704" y="1340768"/>
+            <a:ext cx="5004048" cy="1672186"/>
+          </a:xfrm>
+          <a:prstGeom prst="rect">
+            <a:avLst/>
+          </a:prstGeom>
+        </p:spPr>
+      </p:pic>
     </p:spTree>
   </p:cSld>
   <p:clrMapOvr>
     <a:masterClrMapping/>
   </p:clrMapOvr>
+  <p:timing>
+    <p:tnLst>
+      <p:par>
+        <p:cTn id="1" dur="indefinite" restart="never" nodeType="tmRoot"/>
+      </p:par>
+    </p:tnLst>
+  </p:timing>
 </p:sld>
 </file>
 
@@ -4617,12 +5272,643 @@
         </p:nvSpPr>
         <p:spPr/>
         <p:txBody>
+          <a:bodyPr>
+            <a:normAutofit/>
+          </a:bodyPr>
+          <a:lstStyle/>
+          <a:p>
+            <a:r>
+              <a:rPr lang="en-US" altLang="zh-TW" dirty="0" smtClean="0"/>
+              <a:t>DIY </a:t>
+            </a:r>
+            <a:r>
+              <a:rPr lang="en-US" altLang="zh-TW" dirty="0" smtClean="0"/>
+              <a:t>-</a:t>
+            </a:r>
+            <a:r>
+              <a:rPr lang="zh-TW" altLang="en-US" dirty="0" smtClean="0"/>
+              <a:t> </a:t>
+            </a:r>
+            <a:r>
+              <a:rPr lang="en-US" altLang="zh-TW" dirty="0" smtClean="0"/>
+              <a:t>Redis</a:t>
+            </a:r>
+            <a:endParaRPr lang="zh-TW" altLang="en-US" dirty="0"/>
+          </a:p>
+        </p:txBody>
+      </p:sp>
+      <p:sp>
+        <p:nvSpPr>
+          <p:cNvPr id="3" name="內容版面配置區 2"/>
+          <p:cNvSpPr>
+            <a:spLocks noGrp="1"/>
+          </p:cNvSpPr>
+          <p:nvPr>
+            <p:ph idx="1"/>
+          </p:nvPr>
+        </p:nvSpPr>
+        <p:spPr>
+          <a:xfrm>
+            <a:off x="457200" y="1340768"/>
+            <a:ext cx="3898776" cy="4680520"/>
+          </a:xfrm>
+        </p:spPr>
+        <p:txBody>
+          <a:bodyPr>
+            <a:normAutofit fontScale="92500" lnSpcReduction="10000"/>
+          </a:bodyPr>
+          <a:lstStyle/>
+          <a:p>
+            <a:r>
+              <a:rPr lang="en-US" altLang="zh-TW" dirty="0" smtClean="0"/>
+              <a:t>Type: </a:t>
+            </a:r>
+            <a:endParaRPr lang="en-US" altLang="zh-TW" dirty="0" smtClean="0"/>
+          </a:p>
+          <a:p>
+            <a:pPr lvl="1"/>
+            <a:r>
+              <a:rPr lang="en-US" altLang="zh-TW" dirty="0" smtClean="0">
+                <a:solidFill>
+                  <a:srgbClr val="FF0000"/>
+                </a:solidFill>
+              </a:rPr>
+              <a:t>strings</a:t>
+            </a:r>
+            <a:endParaRPr lang="en-US" altLang="zh-TW" dirty="0" smtClean="0"/>
+          </a:p>
+          <a:p>
+            <a:pPr lvl="1"/>
+            <a:r>
+              <a:rPr lang="en-US" altLang="zh-TW" dirty="0" smtClean="0"/>
+              <a:t>hashes</a:t>
+            </a:r>
+          </a:p>
+          <a:p>
+            <a:pPr lvl="1"/>
+            <a:r>
+              <a:rPr lang="en-US" altLang="zh-TW" dirty="0" smtClean="0"/>
+              <a:t>lists</a:t>
+            </a:r>
+          </a:p>
+          <a:p>
+            <a:pPr lvl="1"/>
+            <a:r>
+              <a:rPr lang="en-US" altLang="zh-TW" dirty="0" smtClean="0">
+                <a:solidFill>
+                  <a:srgbClr val="FF0000"/>
+                </a:solidFill>
+              </a:rPr>
+              <a:t>sets</a:t>
+            </a:r>
+            <a:endParaRPr lang="en-US" altLang="zh-TW" dirty="0" smtClean="0"/>
+          </a:p>
+          <a:p>
+            <a:pPr lvl="1"/>
+            <a:r>
+              <a:rPr lang="en-US" altLang="zh-TW" dirty="0" smtClean="0"/>
+              <a:t>sorted sets</a:t>
+            </a:r>
+          </a:p>
+          <a:p>
+            <a:pPr lvl="1"/>
+            <a:r>
+              <a:rPr lang="en-US" altLang="zh-TW" dirty="0" smtClean="0"/>
+              <a:t>bitmaps</a:t>
+            </a:r>
+          </a:p>
+          <a:p>
+            <a:pPr lvl="1"/>
+            <a:r>
+              <a:rPr lang="en-US" altLang="zh-TW" dirty="0" smtClean="0"/>
+              <a:t>geo</a:t>
+            </a:r>
+          </a:p>
+          <a:p>
+            <a:pPr lvl="1"/>
+            <a:r>
+              <a:rPr lang="en-US" altLang="zh-TW" dirty="0" smtClean="0">
+                <a:solidFill>
+                  <a:srgbClr val="FF0000"/>
+                </a:solidFill>
+              </a:rPr>
+              <a:t>Pub/Sub</a:t>
+            </a:r>
+            <a:endParaRPr lang="en-US" altLang="zh-TW" dirty="0" smtClean="0"/>
+          </a:p>
+          <a:p>
+            <a:pPr lvl="1"/>
+            <a:r>
+              <a:rPr lang="en-US" altLang="zh-TW" dirty="0" smtClean="0"/>
+              <a:t>streams</a:t>
+            </a:r>
+            <a:endParaRPr lang="en-US" altLang="zh-TW" dirty="0" smtClean="0"/>
+          </a:p>
+        </p:txBody>
+      </p:sp>
+      <p:sp>
+        <p:nvSpPr>
+          <p:cNvPr id="6" name="內容版面配置區 2"/>
+          <p:cNvSpPr txBox="1">
+            <a:spLocks/>
+          </p:cNvSpPr>
+          <p:nvPr/>
+        </p:nvSpPr>
+        <p:spPr>
+          <a:xfrm>
+            <a:off x="4139952" y="1340768"/>
+            <a:ext cx="4546848" cy="4608512"/>
+          </a:xfrm>
+          <a:prstGeom prst="rect">
+            <a:avLst/>
+          </a:prstGeom>
+        </p:spPr>
+        <p:txBody>
+          <a:bodyPr vert="horz" lIns="91440" tIns="45720" rIns="91440" bIns="45720" rtlCol="0">
+            <a:normAutofit/>
+          </a:bodyPr>
+          <a:lstStyle/>
+          <a:p>
+            <a:pPr marL="342900" marR="0" lvl="0" indent="-342900" algn="l" defTabSz="914400" rtl="0" eaLnBrk="1" fontAlgn="auto" latinLnBrk="0" hangingPunct="1">
+              <a:lnSpc>
+                <a:spcPct val="100000"/>
+              </a:lnSpc>
+              <a:spcBef>
+                <a:spcPct val="20000"/>
+              </a:spcBef>
+              <a:spcAft>
+                <a:spcPts val="0"/>
+              </a:spcAft>
+              <a:buClrTx/>
+              <a:buSzTx/>
+              <a:buFont typeface="Arial" pitchFamily="34" charset="0"/>
+              <a:buChar char="•"/>
+              <a:tabLst/>
+              <a:defRPr/>
+            </a:pPr>
+            <a:r>
+              <a:rPr kumimoji="0" lang="en-US" altLang="zh-TW" sz="3200" b="0" i="0" u="none" strike="noStrike" kern="1200" cap="none" spc="0" normalizeH="0" baseline="0" noProof="0" dirty="0" smtClean="0">
+                <a:ln>
+                  <a:noFill/>
+                </a:ln>
+                <a:solidFill>
+                  <a:schemeClr val="tx1"/>
+                </a:solidFill>
+                <a:effectLst/>
+                <a:uLnTx/>
+                <a:uFillTx/>
+                <a:latin typeface="+mn-lt"/>
+                <a:ea typeface="+mn-ea"/>
+                <a:cs typeface="+mn-cs"/>
+              </a:rPr>
+              <a:t>Usage:</a:t>
+            </a:r>
+          </a:p>
+          <a:p>
+            <a:pPr marL="742950" marR="0" lvl="1" indent="-285750" algn="l" defTabSz="914400" rtl="0" eaLnBrk="1" fontAlgn="auto" latinLnBrk="0" hangingPunct="1">
+              <a:lnSpc>
+                <a:spcPct val="100000"/>
+              </a:lnSpc>
+              <a:spcBef>
+                <a:spcPct val="20000"/>
+              </a:spcBef>
+              <a:spcAft>
+                <a:spcPts val="0"/>
+              </a:spcAft>
+              <a:buClrTx/>
+              <a:buSzTx/>
+              <a:buFont typeface="Arial" pitchFamily="34" charset="0"/>
+              <a:buChar char="–"/>
+              <a:tabLst/>
+              <a:defRPr/>
+            </a:pPr>
+            <a:r>
+              <a:rPr kumimoji="0" lang="en-US" altLang="zh-TW" sz="2800" b="0" i="0" u="none" strike="noStrike" kern="1200" cap="none" spc="0" normalizeH="0" baseline="0" noProof="0" dirty="0" smtClean="0">
+                <a:ln>
+                  <a:noFill/>
+                </a:ln>
+                <a:solidFill>
+                  <a:srgbClr val="FF0000"/>
+                </a:solidFill>
+                <a:effectLst/>
+                <a:uLnTx/>
+                <a:uFillTx/>
+                <a:latin typeface="+mn-lt"/>
+                <a:ea typeface="+mn-ea"/>
+                <a:cs typeface="+mn-cs"/>
+              </a:rPr>
+              <a:t>Caching</a:t>
+            </a:r>
+          </a:p>
+          <a:p>
+            <a:pPr marL="742950" marR="0" lvl="1" indent="-285750" algn="l" defTabSz="914400" rtl="0" eaLnBrk="1" fontAlgn="auto" latinLnBrk="0" hangingPunct="1">
+              <a:lnSpc>
+                <a:spcPct val="100000"/>
+              </a:lnSpc>
+              <a:spcBef>
+                <a:spcPct val="20000"/>
+              </a:spcBef>
+              <a:spcAft>
+                <a:spcPts val="0"/>
+              </a:spcAft>
+              <a:buClrTx/>
+              <a:buSzTx/>
+              <a:buFont typeface="Arial" pitchFamily="34" charset="0"/>
+              <a:buChar char="–"/>
+              <a:tabLst/>
+              <a:defRPr/>
+            </a:pPr>
+            <a:r>
+              <a:rPr kumimoji="0" lang="en-US" altLang="zh-TW" sz="2800" b="0" i="0" u="none" strike="noStrike" kern="1200" cap="none" spc="0" normalizeH="0" baseline="0" noProof="0" dirty="0" smtClean="0">
+                <a:ln>
+                  <a:noFill/>
+                </a:ln>
+                <a:solidFill>
+                  <a:srgbClr val="FF0000"/>
+                </a:solidFill>
+                <a:effectLst/>
+                <a:uLnTx/>
+                <a:uFillTx/>
+                <a:latin typeface="+mn-lt"/>
+                <a:ea typeface="+mn-ea"/>
+                <a:cs typeface="+mn-cs"/>
+              </a:rPr>
+              <a:t>Queues</a:t>
+            </a:r>
+          </a:p>
+          <a:p>
+            <a:pPr marL="742950" marR="0" lvl="1" indent="-285750" algn="l" defTabSz="914400" rtl="0" eaLnBrk="1" fontAlgn="auto" latinLnBrk="0" hangingPunct="1">
+              <a:lnSpc>
+                <a:spcPct val="100000"/>
+              </a:lnSpc>
+              <a:spcBef>
+                <a:spcPct val="20000"/>
+              </a:spcBef>
+              <a:spcAft>
+                <a:spcPts val="0"/>
+              </a:spcAft>
+              <a:buClrTx/>
+              <a:buSzTx/>
+              <a:buFont typeface="Arial" pitchFamily="34" charset="0"/>
+              <a:buChar char="–"/>
+              <a:tabLst/>
+              <a:defRPr/>
+            </a:pPr>
+            <a:r>
+              <a:rPr kumimoji="0" lang="en-US" altLang="zh-TW" sz="2800" b="0" i="0" u="none" strike="noStrike" kern="1200" cap="none" spc="0" normalizeH="0" baseline="0" noProof="0" dirty="0" err="1" smtClean="0">
+                <a:ln>
+                  <a:noFill/>
+                </a:ln>
+                <a:solidFill>
+                  <a:srgbClr val="FF0000"/>
+                </a:solidFill>
+                <a:effectLst/>
+                <a:uLnTx/>
+                <a:uFillTx/>
+                <a:latin typeface="+mn-lt"/>
+                <a:ea typeface="+mn-ea"/>
+                <a:cs typeface="+mn-cs"/>
+              </a:rPr>
+              <a:t>Leaderboards</a:t>
+            </a:r>
+            <a:r>
+              <a:rPr kumimoji="0" lang="en-US" altLang="zh-TW" sz="2800" b="0" i="0" u="none" strike="noStrike" kern="1200" cap="none" spc="0" normalizeH="0" baseline="0" noProof="0" dirty="0" smtClean="0">
+                <a:ln>
+                  <a:noFill/>
+                </a:ln>
+                <a:solidFill>
+                  <a:srgbClr val="FF0000"/>
+                </a:solidFill>
+                <a:effectLst/>
+                <a:uLnTx/>
+                <a:uFillTx/>
+                <a:latin typeface="+mn-lt"/>
+                <a:ea typeface="+mn-ea"/>
+                <a:cs typeface="+mn-cs"/>
+              </a:rPr>
+              <a:t> / Counting</a:t>
+            </a:r>
+          </a:p>
+          <a:p>
+            <a:pPr marL="742950" marR="0" lvl="1" indent="-285750" algn="l" defTabSz="914400" rtl="0" eaLnBrk="1" fontAlgn="auto" latinLnBrk="0" hangingPunct="1">
+              <a:lnSpc>
+                <a:spcPct val="100000"/>
+              </a:lnSpc>
+              <a:spcBef>
+                <a:spcPct val="20000"/>
+              </a:spcBef>
+              <a:spcAft>
+                <a:spcPts val="0"/>
+              </a:spcAft>
+              <a:buClrTx/>
+              <a:buSzTx/>
+              <a:buFont typeface="Arial" pitchFamily="34" charset="0"/>
+              <a:buChar char="–"/>
+              <a:tabLst/>
+              <a:defRPr/>
+            </a:pPr>
+            <a:r>
+              <a:rPr kumimoji="0" lang="en-US" altLang="zh-TW" sz="2800" b="0" i="0" u="none" strike="noStrike" kern="1200" cap="none" spc="0" normalizeH="0" baseline="0" noProof="0" dirty="0" smtClean="0">
+                <a:ln>
+                  <a:noFill/>
+                </a:ln>
+                <a:solidFill>
+                  <a:srgbClr val="FF0000"/>
+                </a:solidFill>
+                <a:effectLst/>
+                <a:uLnTx/>
+                <a:uFillTx/>
+                <a:latin typeface="+mn-lt"/>
+                <a:ea typeface="+mn-ea"/>
+                <a:cs typeface="+mn-cs"/>
+              </a:rPr>
+              <a:t>Pub/Sub</a:t>
+            </a:r>
+          </a:p>
+        </p:txBody>
+      </p:sp>
+    </p:spTree>
+  </p:cSld>
+  <p:clrMapOvr>
+    <a:masterClrMapping/>
+  </p:clrMapOvr>
+  <p:timing>
+    <p:tnLst>
+      <p:par>
+        <p:cTn id="1" dur="indefinite" restart="never" nodeType="tmRoot"/>
+      </p:par>
+    </p:tnLst>
+  </p:timing>
+</p:sld>
+</file>
+
+<file path=ppt/slides/slide16.xml><?xml version="1.0" encoding="utf-8"?>
+<p:sld xmlns:a="http://schemas.openxmlformats.org/drawingml/2006/main" xmlns:r="http://schemas.openxmlformats.org/officeDocument/2006/relationships" xmlns:p="http://schemas.openxmlformats.org/presentationml/2006/main">
+  <p:cSld>
+    <p:spTree>
+      <p:nvGrpSpPr>
+        <p:cNvPr id="1" name=""/>
+        <p:cNvGrpSpPr/>
+        <p:nvPr/>
+      </p:nvGrpSpPr>
+      <p:grpSpPr>
+        <a:xfrm>
+          <a:off x="0" y="0"/>
+          <a:ext cx="0" cy="0"/>
+          <a:chOff x="0" y="0"/>
+          <a:chExt cx="0" cy="0"/>
+        </a:xfrm>
+      </p:grpSpPr>
+      <p:sp>
+        <p:nvSpPr>
+          <p:cNvPr id="3" name="內容版面配置區 2"/>
+          <p:cNvSpPr>
+            <a:spLocks noGrp="1"/>
+          </p:cNvSpPr>
+          <p:nvPr>
+            <p:ph idx="1"/>
+          </p:nvPr>
+        </p:nvSpPr>
+        <p:spPr>
+          <a:xfrm>
+            <a:off x="457200" y="188640"/>
+            <a:ext cx="8229600" cy="6408712"/>
+          </a:xfrm>
+        </p:spPr>
+        <p:txBody>
+          <a:bodyPr>
+            <a:normAutofit/>
+          </a:bodyPr>
+          <a:lstStyle/>
+          <a:p>
+            <a:r>
+              <a:rPr lang="en-US" altLang="zh-TW" dirty="0" smtClean="0"/>
+              <a:t>Performance:</a:t>
+            </a:r>
+            <a:endParaRPr lang="en-US" altLang="zh-TW" dirty="0" smtClean="0"/>
+          </a:p>
+        </p:txBody>
+      </p:sp>
+      <p:pic>
+        <p:nvPicPr>
+          <p:cNvPr id="1027" name="Picture 3"/>
+          <p:cNvPicPr>
+            <a:picLocks noChangeAspect="1" noChangeArrowheads="1"/>
+          </p:cNvPicPr>
+          <p:nvPr/>
+        </p:nvPicPr>
+        <p:blipFill>
+          <a:blip r:embed="rId2" cstate="print"/>
+          <a:srcRect/>
+          <a:stretch>
+            <a:fillRect/>
+          </a:stretch>
+        </p:blipFill>
+        <p:spPr bwMode="auto">
+          <a:xfrm>
+            <a:off x="0" y="836712"/>
+            <a:ext cx="5868144" cy="4033241"/>
+          </a:xfrm>
+          <a:prstGeom prst="rect">
+            <a:avLst/>
+          </a:prstGeom>
+          <a:noFill/>
+          <a:ln w="9525">
+            <a:noFill/>
+            <a:miter lim="800000"/>
+            <a:headEnd/>
+            <a:tailEnd/>
+          </a:ln>
+        </p:spPr>
+      </p:pic>
+      <p:pic>
+        <p:nvPicPr>
+          <p:cNvPr id="2050" name="Picture 2"/>
+          <p:cNvPicPr>
+            <a:picLocks noChangeAspect="1" noChangeArrowheads="1"/>
+          </p:cNvPicPr>
+          <p:nvPr/>
+        </p:nvPicPr>
+        <p:blipFill>
+          <a:blip r:embed="rId3" cstate="print"/>
+          <a:srcRect/>
+          <a:stretch>
+            <a:fillRect/>
+          </a:stretch>
+        </p:blipFill>
+        <p:spPr bwMode="auto">
+          <a:xfrm>
+            <a:off x="3995936" y="3645024"/>
+            <a:ext cx="4994017" cy="3020254"/>
+          </a:xfrm>
+          <a:prstGeom prst="rect">
+            <a:avLst/>
+          </a:prstGeom>
+          <a:noFill/>
+          <a:ln w="9525">
+            <a:noFill/>
+            <a:miter lim="800000"/>
+            <a:headEnd/>
+            <a:tailEnd/>
+          </a:ln>
+        </p:spPr>
+      </p:pic>
+    </p:spTree>
+  </p:cSld>
+  <p:clrMapOvr>
+    <a:masterClrMapping/>
+  </p:clrMapOvr>
+  <p:timing>
+    <p:tnLst>
+      <p:par>
+        <p:cTn id="1" dur="indefinite" restart="never" nodeType="tmRoot"/>
+      </p:par>
+    </p:tnLst>
+  </p:timing>
+</p:sld>
+</file>
+
+<file path=ppt/slides/slide17.xml><?xml version="1.0" encoding="utf-8"?>
+<p:sld xmlns:a="http://schemas.openxmlformats.org/drawingml/2006/main" xmlns:r="http://schemas.openxmlformats.org/officeDocument/2006/relationships" xmlns:p="http://schemas.openxmlformats.org/presentationml/2006/main">
+  <p:cSld>
+    <p:spTree>
+      <p:nvGrpSpPr>
+        <p:cNvPr id="1" name=""/>
+        <p:cNvGrpSpPr/>
+        <p:nvPr/>
+      </p:nvGrpSpPr>
+      <p:grpSpPr>
+        <a:xfrm>
+          <a:off x="0" y="0"/>
+          <a:ext cx="0" cy="0"/>
+          <a:chOff x="0" y="0"/>
+          <a:chExt cx="0" cy="0"/>
+        </a:xfrm>
+      </p:grpSpPr>
+      <p:sp>
+        <p:nvSpPr>
+          <p:cNvPr id="2" name="標題 1"/>
+          <p:cNvSpPr>
+            <a:spLocks noGrp="1"/>
+          </p:cNvSpPr>
+          <p:nvPr>
+            <p:ph type="title"/>
+          </p:nvPr>
+        </p:nvSpPr>
+        <p:spPr/>
+        <p:txBody>
+          <a:bodyPr>
+            <a:normAutofit/>
+          </a:bodyPr>
+          <a:lstStyle/>
+          <a:p>
+            <a:r>
+              <a:rPr lang="en-US" altLang="zh-TW" dirty="0" smtClean="0"/>
+              <a:t>DIY </a:t>
+            </a:r>
+            <a:r>
+              <a:rPr lang="en-US" altLang="zh-TW" dirty="0" smtClean="0"/>
+              <a:t>-</a:t>
+            </a:r>
+            <a:r>
+              <a:rPr lang="zh-TW" altLang="en-US" dirty="0" smtClean="0"/>
+              <a:t> </a:t>
+            </a:r>
+            <a:r>
+              <a:rPr lang="en-US" altLang="zh-TW" dirty="0" smtClean="0"/>
+              <a:t>Redis</a:t>
+            </a:r>
+            <a:endParaRPr lang="zh-TW" altLang="en-US" dirty="0"/>
+          </a:p>
+        </p:txBody>
+      </p:sp>
+      <p:sp>
+        <p:nvSpPr>
+          <p:cNvPr id="3" name="內容版面配置區 2"/>
+          <p:cNvSpPr>
+            <a:spLocks noGrp="1"/>
+          </p:cNvSpPr>
+          <p:nvPr>
+            <p:ph idx="1"/>
+          </p:nvPr>
+        </p:nvSpPr>
+        <p:spPr/>
+        <p:txBody>
           <a:bodyPr/>
           <a:lstStyle/>
           <a:p>
             <a:r>
               <a:rPr lang="en-US" altLang="zh-TW" dirty="0" smtClean="0"/>
-              <a:t>DIY 1 – Sharing Session Data</a:t>
+              <a:t>Github</a:t>
+            </a:r>
+            <a:r>
+              <a:rPr lang="en-US" altLang="zh-TW" dirty="0" smtClean="0"/>
+              <a:t>: </a:t>
+            </a:r>
+            <a:r>
+              <a:rPr lang="en-US" altLang="zh-TW" dirty="0" smtClean="0">
+                <a:hlinkClick r:id="rId2"/>
+              </a:rPr>
+              <a:t>https://github.com/jimliu7434/microservice-sample</a:t>
+            </a:r>
+            <a:endParaRPr lang="zh-TW" altLang="en-US" dirty="0"/>
+          </a:p>
+        </p:txBody>
+      </p:sp>
+    </p:spTree>
+  </p:cSld>
+  <p:clrMapOvr>
+    <a:masterClrMapping/>
+  </p:clrMapOvr>
+  <p:timing>
+    <p:tnLst>
+      <p:par>
+        <p:cTn id="1" dur="indefinite" restart="never" nodeType="tmRoot"/>
+      </p:par>
+    </p:tnLst>
+  </p:timing>
+</p:sld>
+</file>
+
+<file path=ppt/slides/slide18.xml><?xml version="1.0" encoding="utf-8"?>
+<p:sld xmlns:a="http://schemas.openxmlformats.org/drawingml/2006/main" xmlns:r="http://schemas.openxmlformats.org/officeDocument/2006/relationships" xmlns:p="http://schemas.openxmlformats.org/presentationml/2006/main">
+  <p:cSld>
+    <p:spTree>
+      <p:nvGrpSpPr>
+        <p:cNvPr id="1" name=""/>
+        <p:cNvGrpSpPr/>
+        <p:nvPr/>
+      </p:nvGrpSpPr>
+      <p:grpSpPr>
+        <a:xfrm>
+          <a:off x="0" y="0"/>
+          <a:ext cx="0" cy="0"/>
+          <a:chOff x="0" y="0"/>
+          <a:chExt cx="0" cy="0"/>
+        </a:xfrm>
+      </p:grpSpPr>
+      <p:sp>
+        <p:nvSpPr>
+          <p:cNvPr id="2" name="標題 1"/>
+          <p:cNvSpPr>
+            <a:spLocks noGrp="1"/>
+          </p:cNvSpPr>
+          <p:nvPr>
+            <p:ph type="title"/>
+          </p:nvPr>
+        </p:nvSpPr>
+        <p:spPr/>
+        <p:txBody>
+          <a:bodyPr/>
+          <a:lstStyle/>
+          <a:p>
+            <a:r>
+              <a:rPr lang="en-US" altLang="zh-TW" dirty="0" smtClean="0"/>
+              <a:t>DIY </a:t>
+            </a:r>
+            <a:r>
+              <a:rPr lang="en-US" altLang="zh-TW" dirty="0" smtClean="0"/>
+              <a:t>1 – Sharing Session Data</a:t>
             </a:r>
             <a:endParaRPr lang="zh-TW" altLang="en-US" dirty="0"/>
           </a:p>
@@ -5002,10 +6288,17 @@
   <p:clrMapOvr>
     <a:masterClrMapping/>
   </p:clrMapOvr>
+  <p:timing>
+    <p:tnLst>
+      <p:par>
+        <p:cTn id="1" dur="indefinite" restart="never" nodeType="tmRoot"/>
+      </p:par>
+    </p:tnLst>
+  </p:timing>
 </p:sld>
 </file>
 
-<file path=ppt/slides/slide16.xml><?xml version="1.0" encoding="utf-8"?>
+<file path=ppt/slides/slide19.xml><?xml version="1.0" encoding="utf-8"?>
 <p:sld xmlns:a="http://schemas.openxmlformats.org/drawingml/2006/main" xmlns:r="http://schemas.openxmlformats.org/officeDocument/2006/relationships" xmlns:p="http://schemas.openxmlformats.org/presentationml/2006/main">
   <p:cSld>
     <p:spTree>
@@ -5134,10 +6427,319 @@
   <p:clrMapOvr>
     <a:masterClrMapping/>
   </p:clrMapOvr>
+  <p:timing>
+    <p:tnLst>
+      <p:par>
+        <p:cTn id="1" dur="indefinite" restart="never" nodeType="tmRoot"/>
+      </p:par>
+    </p:tnLst>
+  </p:timing>
 </p:sld>
 </file>
 
-<file path=ppt/slides/slide17.xml><?xml version="1.0" encoding="utf-8"?>
+<file path=ppt/slides/slide2.xml><?xml version="1.0" encoding="utf-8"?>
+<p:sld xmlns:a="http://schemas.openxmlformats.org/drawingml/2006/main" xmlns:r="http://schemas.openxmlformats.org/officeDocument/2006/relationships" xmlns:p="http://schemas.openxmlformats.org/presentationml/2006/main">
+  <p:cSld>
+    <p:spTree>
+      <p:nvGrpSpPr>
+        <p:cNvPr id="1" name=""/>
+        <p:cNvGrpSpPr/>
+        <p:nvPr/>
+      </p:nvGrpSpPr>
+      <p:grpSpPr>
+        <a:xfrm>
+          <a:off x="0" y="0"/>
+          <a:ext cx="0" cy="0"/>
+          <a:chOff x="0" y="0"/>
+          <a:chExt cx="0" cy="0"/>
+        </a:xfrm>
+      </p:grpSpPr>
+      <p:sp>
+        <p:nvSpPr>
+          <p:cNvPr id="3" name="內容版面配置區 2"/>
+          <p:cNvSpPr>
+            <a:spLocks noGrp="1"/>
+          </p:cNvSpPr>
+          <p:nvPr>
+            <p:ph idx="1"/>
+          </p:nvPr>
+        </p:nvSpPr>
+        <p:spPr>
+          <a:xfrm>
+            <a:off x="457200" y="1124744"/>
+            <a:ext cx="8229600" cy="5328592"/>
+          </a:xfrm>
+        </p:spPr>
+        <p:txBody>
+          <a:bodyPr>
+            <a:normAutofit fontScale="85000" lnSpcReduction="20000"/>
+          </a:bodyPr>
+          <a:lstStyle/>
+          <a:p>
+            <a:r>
+              <a:rPr lang="en-US" altLang="zh-TW" dirty="0" smtClean="0">
+                <a:hlinkClick r:id="rId2" action="ppaction://hlinksldjump"/>
+              </a:rPr>
+              <a:t>Monolithic vs. Microservice</a:t>
+            </a:r>
+            <a:endParaRPr lang="en-US" altLang="zh-TW" dirty="0" smtClean="0"/>
+          </a:p>
+          <a:p>
+            <a:r>
+              <a:rPr lang="en-US" altLang="zh-TW" dirty="0" smtClean="0">
+                <a:hlinkClick r:id="rId3" action="ppaction://hlinksldjump"/>
+              </a:rPr>
+              <a:t>Stateless </a:t>
+            </a:r>
+            <a:r>
+              <a:rPr lang="en-US" altLang="zh-TW" dirty="0" smtClean="0">
+                <a:hlinkClick r:id="rId3" action="ppaction://hlinksldjump"/>
+              </a:rPr>
+              <a:t>Service</a:t>
+            </a:r>
+            <a:endParaRPr lang="en-US" altLang="zh-TW" dirty="0" smtClean="0"/>
+          </a:p>
+          <a:p>
+            <a:r>
+              <a:rPr lang="en-US" altLang="zh-TW" dirty="0" smtClean="0">
+                <a:hlinkClick r:id="rId4" action="ppaction://hlinksldjump"/>
+              </a:rPr>
+              <a:t>Sharing Info Between Services</a:t>
+            </a:r>
+            <a:endParaRPr lang="en-US" altLang="zh-TW" dirty="0" smtClean="0"/>
+          </a:p>
+          <a:p>
+            <a:r>
+              <a:rPr lang="en-US" altLang="zh-TW" dirty="0" smtClean="0">
+                <a:hlinkClick r:id="rId5" action="ppaction://hlinksldjump"/>
+              </a:rPr>
+              <a:t>Service Discovery</a:t>
+            </a:r>
+            <a:endParaRPr lang="en-US" altLang="zh-TW" dirty="0" smtClean="0"/>
+          </a:p>
+          <a:p>
+            <a:r>
+              <a:rPr lang="en-US" altLang="zh-TW" dirty="0" smtClean="0"/>
+              <a:t>DIY: </a:t>
+            </a:r>
+          </a:p>
+          <a:p>
+            <a:pPr lvl="1"/>
+            <a:r>
+              <a:rPr lang="en-US" altLang="zh-TW" dirty="0" smtClean="0">
+                <a:hlinkClick r:id="rId6" action="ppaction://hlinksldjump"/>
+              </a:rPr>
+              <a:t>Memory DB : Redis</a:t>
+            </a:r>
+            <a:endParaRPr lang="en-US" altLang="zh-TW" dirty="0" smtClean="0"/>
+          </a:p>
+          <a:p>
+            <a:pPr lvl="2"/>
+            <a:r>
+              <a:rPr lang="en-US" altLang="zh-TW" dirty="0" smtClean="0">
+                <a:hlinkClick r:id="rId7" action="ppaction://hlinksldjump"/>
+              </a:rPr>
+              <a:t>DIY </a:t>
+            </a:r>
+            <a:r>
+              <a:rPr lang="en-US" altLang="zh-TW" dirty="0" smtClean="0">
+                <a:hlinkClick r:id="rId7" action="ppaction://hlinksldjump"/>
+              </a:rPr>
+              <a:t>1 - Sharing Session Data</a:t>
+            </a:r>
+            <a:endParaRPr lang="en-US" altLang="zh-TW" dirty="0" smtClean="0"/>
+          </a:p>
+          <a:p>
+            <a:pPr lvl="2"/>
+            <a:r>
+              <a:rPr lang="en-US" altLang="zh-TW" dirty="0" smtClean="0">
+                <a:hlinkClick r:id="rId8" action="ppaction://hlinksldjump"/>
+              </a:rPr>
+              <a:t>DIY 2 - Who is online (Service Discovery)</a:t>
+            </a:r>
+            <a:endParaRPr lang="en-US" altLang="zh-TW" dirty="0" smtClean="0"/>
+          </a:p>
+          <a:p>
+            <a:pPr lvl="2"/>
+            <a:r>
+              <a:rPr lang="en-US" altLang="zh-TW" dirty="0" smtClean="0">
+                <a:hlinkClick r:id="rId9" action="ppaction://hlinksldjump"/>
+              </a:rPr>
+              <a:t>DIY 3 - Who is online/offline (Service Discovery)</a:t>
+            </a:r>
+            <a:endParaRPr lang="en-US" altLang="zh-TW" dirty="0" smtClean="0"/>
+          </a:p>
+          <a:p>
+            <a:pPr lvl="1"/>
+            <a:r>
+              <a:rPr lang="en-US" altLang="zh-TW" dirty="0" smtClean="0"/>
+              <a:t>Message Queue : RabbitMQ  </a:t>
+            </a:r>
+            <a:r>
+              <a:rPr lang="en-US" altLang="zh-TW" dirty="0" smtClean="0">
+                <a:solidFill>
+                  <a:srgbClr val="FFC000"/>
+                </a:solidFill>
+              </a:rPr>
+              <a:t>(</a:t>
+            </a:r>
+            <a:r>
+              <a:rPr lang="en-US" altLang="zh-TW" dirty="0" smtClean="0">
+                <a:solidFill>
+                  <a:srgbClr val="FFC000"/>
+                </a:solidFill>
+              </a:rPr>
+              <a:t>TBD…)</a:t>
+            </a:r>
+            <a:endParaRPr lang="en-US" altLang="zh-TW" dirty="0" smtClean="0"/>
+          </a:p>
+          <a:p>
+            <a:pPr lvl="1"/>
+            <a:r>
+              <a:rPr lang="en-US" altLang="zh-TW" dirty="0" smtClean="0"/>
+              <a:t>Serverless Function : </a:t>
+            </a:r>
+            <a:r>
+              <a:rPr lang="en-US" altLang="zh-TW" dirty="0" smtClean="0"/>
+              <a:t>AWS Lambda </a:t>
+            </a:r>
+            <a:r>
+              <a:rPr lang="en-US" altLang="zh-TW" dirty="0" smtClean="0">
+                <a:solidFill>
+                  <a:srgbClr val="FFC000"/>
+                </a:solidFill>
+              </a:rPr>
+              <a:t>(</a:t>
+            </a:r>
+            <a:r>
+              <a:rPr lang="en-US" altLang="zh-TW" dirty="0" smtClean="0">
+                <a:solidFill>
+                  <a:srgbClr val="FFC000"/>
+                </a:solidFill>
+              </a:rPr>
+              <a:t>TBD</a:t>
+            </a:r>
+            <a:r>
+              <a:rPr lang="en-US" altLang="zh-TW" dirty="0" smtClean="0">
+                <a:solidFill>
+                  <a:srgbClr val="FFC000"/>
+                </a:solidFill>
+              </a:rPr>
+              <a:t>…)</a:t>
+            </a:r>
+          </a:p>
+          <a:p>
+            <a:pPr lvl="1"/>
+            <a:r>
+              <a:rPr lang="en-US" altLang="zh-TW" dirty="0" smtClean="0"/>
+              <a:t>Container : Docker  </a:t>
+            </a:r>
+            <a:r>
+              <a:rPr lang="en-US" altLang="zh-TW" dirty="0" smtClean="0">
+                <a:solidFill>
+                  <a:srgbClr val="FFC000"/>
+                </a:solidFill>
+              </a:rPr>
+              <a:t>(</a:t>
+            </a:r>
+            <a:r>
+              <a:rPr lang="en-US" altLang="zh-TW" dirty="0" smtClean="0">
+                <a:solidFill>
+                  <a:srgbClr val="FFC000"/>
+                </a:solidFill>
+              </a:rPr>
+              <a:t>TBD…)</a:t>
+            </a:r>
+            <a:endParaRPr lang="en-US" altLang="zh-TW" dirty="0" smtClean="0"/>
+          </a:p>
+          <a:p>
+            <a:pPr lvl="1"/>
+            <a:r>
+              <a:rPr lang="en-US" altLang="zh-TW" dirty="0" smtClean="0"/>
+              <a:t>Container Manager : K8S  </a:t>
+            </a:r>
+            <a:r>
+              <a:rPr lang="en-US" altLang="zh-TW" dirty="0" smtClean="0">
+                <a:solidFill>
+                  <a:srgbClr val="FFC000"/>
+                </a:solidFill>
+              </a:rPr>
+              <a:t>(</a:t>
+            </a:r>
+            <a:r>
+              <a:rPr lang="en-US" altLang="zh-TW" dirty="0" smtClean="0">
+                <a:solidFill>
+                  <a:srgbClr val="FFC000"/>
+                </a:solidFill>
+              </a:rPr>
+              <a:t>TBD</a:t>
+            </a:r>
+            <a:r>
+              <a:rPr lang="en-US" altLang="zh-TW" dirty="0" smtClean="0">
+                <a:solidFill>
+                  <a:srgbClr val="FFC000"/>
+                </a:solidFill>
+              </a:rPr>
+              <a:t>…)</a:t>
+            </a:r>
+          </a:p>
+          <a:p>
+            <a:r>
+              <a:rPr lang="en-US" altLang="zh-TW" dirty="0" smtClean="0">
+                <a:hlinkClick r:id="rId10" action="ppaction://hlinksldjump"/>
+              </a:rPr>
+              <a:t>Reference</a:t>
+            </a:r>
+            <a:endParaRPr lang="zh-TW" altLang="en-US" dirty="0"/>
+          </a:p>
+        </p:txBody>
+      </p:sp>
+      <p:sp>
+        <p:nvSpPr>
+          <p:cNvPr id="4" name="標題 1"/>
+          <p:cNvSpPr>
+            <a:spLocks noGrp="1"/>
+          </p:cNvSpPr>
+          <p:nvPr>
+            <p:ph type="title"/>
+          </p:nvPr>
+        </p:nvSpPr>
+        <p:spPr>
+          <a:xfrm>
+            <a:off x="457200" y="274638"/>
+            <a:ext cx="8229600" cy="706090"/>
+          </a:xfrm>
+        </p:spPr>
+        <p:txBody>
+          <a:bodyPr>
+            <a:normAutofit fontScale="90000"/>
+          </a:bodyPr>
+          <a:lstStyle/>
+          <a:p>
+            <a:r>
+              <a:rPr lang="en-US" altLang="zh-TW" dirty="0" smtClean="0"/>
+              <a:t>Agenda</a:t>
+            </a:r>
+            <a:endParaRPr lang="zh-TW" altLang="en-US" dirty="0"/>
+          </a:p>
+        </p:txBody>
+      </p:sp>
+    </p:spTree>
+  </p:cSld>
+  <p:clrMapOvr>
+    <a:masterClrMapping/>
+  </p:clrMapOvr>
+  <p:timing>
+    <p:tnLst>
+      <p:par>
+        <p:cTn id="1" dur="indefinite" restart="never" nodeType="tmRoot"/>
+      </p:par>
+    </p:tnLst>
+  </p:timing>
+</p:sld>
+</file>
+
+<file path=ppt/slides/slide20.xml><?xml version="1.0" encoding="utf-8"?>
 <p:sld xmlns:a="http://schemas.openxmlformats.org/drawingml/2006/main" xmlns:r="http://schemas.openxmlformats.org/officeDocument/2006/relationships" xmlns:p="http://schemas.openxmlformats.org/presentationml/2006/main">
   <p:cSld>
     <p:spTree>
@@ -5349,24 +6951,7 @@
                 <a:ea typeface="+mn-ea"/>
                 <a:cs typeface="+mn-cs"/>
               </a:rPr>
-              <a:t> </a:t>
-            </a:r>
-            <a:r>
-              <a:rPr kumimoji="0" lang="en-US" altLang="zh-TW" sz="3200" b="0" i="0" u="none" strike="noStrike" kern="1200" cap="none" spc="0" normalizeH="0" baseline="0" noProof="0" dirty="0" smtClean="0">
-                <a:ln>
-                  <a:noFill/>
-                </a:ln>
-                <a:solidFill>
-                  <a:schemeClr val="tx1"/>
-                </a:solidFill>
-                <a:effectLst/>
-                <a:uLnTx/>
-                <a:uFillTx/>
-                <a:latin typeface="+mn-lt"/>
-                <a:ea typeface="+mn-ea"/>
-                <a:cs typeface="+mn-cs"/>
-              </a:rPr>
-              <a:t>A </a:t>
+              <a:t> A </a:t>
             </a:r>
           </a:p>
           <a:p>
@@ -5418,20 +7003,6 @@
               </a:rPr>
               <a:t>B C</a:t>
             </a:r>
-            <a:endParaRPr kumimoji="0" lang="en-US" altLang="zh-TW" sz="3200" b="0" i="0" u="none" strike="noStrike" kern="1200" cap="none" spc="0" normalizeH="0" baseline="0" noProof="0" dirty="0" smtClean="0">
-              <a:ln>
-                <a:noFill/>
-              </a:ln>
-              <a:solidFill>
-                <a:schemeClr val="tx1"/>
-              </a:solidFill>
-              <a:effectLst/>
-              <a:uLnTx/>
-              <a:uFillTx/>
-              <a:latin typeface="+mn-lt"/>
-              <a:ea typeface="+mn-ea"/>
-              <a:cs typeface="+mn-cs"/>
-            </a:endParaRPr>
           </a:p>
           <a:p>
             <a:pPr marL="342900" indent="-342900">
@@ -5518,7 +7089,6 @@
               <a:rPr lang="en-US" altLang="zh-TW" sz="3200" dirty="0" smtClean="0"/>
               <a:t> A D</a:t>
             </a:r>
-            <a:endParaRPr lang="en-US" altLang="zh-TW" sz="3200" dirty="0" smtClean="0"/>
           </a:p>
           <a:p>
             <a:pPr marL="342900" indent="-342900">
@@ -5626,10 +7196,17 @@
   <p:clrMapOvr>
     <a:masterClrMapping/>
   </p:clrMapOvr>
+  <p:timing>
+    <p:tnLst>
+      <p:par>
+        <p:cTn id="1" dur="indefinite" restart="never" nodeType="tmRoot"/>
+      </p:par>
+    </p:tnLst>
+  </p:timing>
 </p:sld>
 </file>
 
-<file path=ppt/slides/slide18.xml><?xml version="1.0" encoding="utf-8"?>
+<file path=ppt/slides/slide21.xml><?xml version="1.0" encoding="utf-8"?>
 <p:sld xmlns:a="http://schemas.openxmlformats.org/drawingml/2006/main" xmlns:r="http://schemas.openxmlformats.org/officeDocument/2006/relationships" xmlns:p="http://schemas.openxmlformats.org/presentationml/2006/main">
   <p:cSld>
     <p:spTree>
@@ -5753,10 +7330,17 @@
   <p:clrMapOvr>
     <a:masterClrMapping/>
   </p:clrMapOvr>
+  <p:timing>
+    <p:tnLst>
+      <p:par>
+        <p:cTn id="1" dur="indefinite" restart="never" nodeType="tmRoot"/>
+      </p:par>
+    </p:tnLst>
+  </p:timing>
 </p:sld>
 </file>
 
-<file path=ppt/slides/slide19.xml><?xml version="1.0" encoding="utf-8"?>
+<file path=ppt/slides/slide22.xml><?xml version="1.0" encoding="utf-8"?>
 <p:sld xmlns:a="http://schemas.openxmlformats.org/drawingml/2006/main" xmlns:r="http://schemas.openxmlformats.org/officeDocument/2006/relationships" xmlns:p="http://schemas.openxmlformats.org/presentationml/2006/main">
   <p:cSld>
     <p:spTree>
@@ -5866,11 +7450,7 @@
           <a:p>
             <a:r>
               <a:rPr lang="en-US" altLang="zh-TW" dirty="0" smtClean="0"/>
-              <a:t>Only be triggered when </a:t>
-            </a:r>
-            <a:r>
-              <a:rPr lang="en-US" altLang="zh-TW" dirty="0" smtClean="0"/>
-              <a:t>something HAPPENED </a:t>
+              <a:t>Only be triggered when something HAPPENED </a:t>
             </a:r>
           </a:p>
           <a:p>
@@ -5879,25 +7459,8 @@
             </a:pPr>
             <a:r>
               <a:rPr lang="en-US" altLang="zh-TW" dirty="0" smtClean="0"/>
-              <a:t> </a:t>
-            </a:r>
-            <a:r>
-              <a:rPr lang="en-US" altLang="zh-TW" dirty="0" smtClean="0"/>
-              <a:t>   </a:t>
-            </a:r>
-            <a:r>
-              <a:rPr lang="en-US" altLang="zh-TW" dirty="0" smtClean="0"/>
-              <a:t>( ex: service </a:t>
-            </a:r>
-            <a:r>
-              <a:rPr lang="en-US" altLang="zh-TW" dirty="0" smtClean="0"/>
-              <a:t>go Up or </a:t>
-            </a:r>
-            <a:r>
-              <a:rPr lang="en-US" altLang="zh-TW" dirty="0" smtClean="0"/>
-              <a:t>Down )</a:t>
-            </a:r>
-            <a:endParaRPr lang="en-US" altLang="zh-TW" dirty="0" smtClean="0"/>
+              <a:t>    ( ex: service go Up or Down )</a:t>
+            </a:r>
           </a:p>
           <a:p>
             <a:endParaRPr lang="en-US" altLang="zh-TW" dirty="0" smtClean="0"/>
@@ -5921,7 +7484,7 @@
 </p:sld>
 </file>
 
-<file path=ppt/slides/slide2.xml><?xml version="1.0" encoding="utf-8"?>
+<file path=ppt/slides/slide23.xml><?xml version="1.0" encoding="utf-8"?>
 <p:sld xmlns:a="http://schemas.openxmlformats.org/drawingml/2006/main" xmlns:r="http://schemas.openxmlformats.org/officeDocument/2006/relationships" xmlns:p="http://schemas.openxmlformats.org/presentationml/2006/main">
   <p:cSld>
     <p:spTree>
@@ -5940,6 +7503,29 @@
       </p:grpSpPr>
       <p:sp>
         <p:nvSpPr>
+          <p:cNvPr id="2" name="標題 1"/>
+          <p:cNvSpPr>
+            <a:spLocks noGrp="1"/>
+          </p:cNvSpPr>
+          <p:nvPr>
+            <p:ph type="title"/>
+          </p:nvPr>
+        </p:nvSpPr>
+        <p:spPr/>
+        <p:txBody>
+          <a:bodyPr/>
+          <a:lstStyle/>
+          <a:p>
+            <a:r>
+              <a:rPr lang="en-US" altLang="zh-TW" dirty="0" smtClean="0"/>
+              <a:t>Ref.</a:t>
+            </a:r>
+            <a:endParaRPr lang="zh-TW" altLang="en-US" dirty="0"/>
+          </a:p>
+        </p:txBody>
+      </p:sp>
+      <p:sp>
+        <p:nvSpPr>
           <p:cNvPr id="3" name="內容版面配置區 2"/>
           <p:cNvSpPr>
             <a:spLocks noGrp="1"/>
@@ -5948,225 +7534,10 @@
             <p:ph idx="1"/>
           </p:nvPr>
         </p:nvSpPr>
-        <p:spPr>
-          <a:xfrm>
-            <a:off x="457200" y="1124744"/>
-            <a:ext cx="8229600" cy="5328592"/>
-          </a:xfrm>
-        </p:spPr>
+        <p:spPr/>
         <p:txBody>
           <a:bodyPr>
-            <a:normAutofit fontScale="92500" lnSpcReduction="20000"/>
-          </a:bodyPr>
-          <a:lstStyle/>
-          <a:p>
-            <a:r>
-              <a:rPr lang="en-US" altLang="zh-TW" dirty="0" smtClean="0"/>
-              <a:t>Monolithic vs. Microservice</a:t>
-            </a:r>
-          </a:p>
-          <a:p>
-            <a:pPr lvl="1"/>
-            <a:r>
-              <a:rPr lang="en-US" altLang="zh-TW" dirty="0" smtClean="0"/>
-              <a:t>Ex1</a:t>
-            </a:r>
-          </a:p>
-          <a:p>
-            <a:pPr lvl="1"/>
-            <a:r>
-              <a:rPr lang="en-US" altLang="zh-TW" dirty="0" smtClean="0"/>
-              <a:t>Ex2</a:t>
-            </a:r>
-          </a:p>
-          <a:p>
-            <a:r>
-              <a:rPr lang="en-US" altLang="zh-TW" dirty="0" smtClean="0"/>
-              <a:t>Stateless Service</a:t>
-            </a:r>
-          </a:p>
-          <a:p>
-            <a:r>
-              <a:rPr lang="en-US" altLang="zh-TW" dirty="0" smtClean="0"/>
-              <a:t>Sharing Info Between Services</a:t>
-            </a:r>
-          </a:p>
-          <a:p>
-            <a:r>
-              <a:rPr lang="en-US" altLang="zh-TW" dirty="0" smtClean="0"/>
-              <a:t>Service Discovery</a:t>
-            </a:r>
-          </a:p>
-          <a:p>
-            <a:r>
-              <a:rPr lang="en-US" altLang="zh-TW" dirty="0" smtClean="0"/>
-              <a:t>Tool : Redis</a:t>
-            </a:r>
-          </a:p>
-          <a:p>
-            <a:pPr lvl="1"/>
-            <a:r>
-              <a:rPr lang="en-US" altLang="zh-TW" dirty="0" smtClean="0"/>
-              <a:t>DIY 1 - Sharing Session Data</a:t>
-            </a:r>
-          </a:p>
-          <a:p>
-            <a:pPr lvl="1"/>
-            <a:r>
-              <a:rPr lang="en-US" altLang="zh-TW" dirty="0" smtClean="0"/>
-              <a:t>DIY 2 - Who is online (Service Discovery)</a:t>
-            </a:r>
-          </a:p>
-          <a:p>
-            <a:pPr lvl="1"/>
-            <a:r>
-              <a:rPr lang="en-US" altLang="zh-TW" dirty="0" smtClean="0"/>
-              <a:t>DIY 3 - Who is online/offline (Service Discovery)</a:t>
-            </a:r>
-          </a:p>
-          <a:p>
-            <a:r>
-              <a:rPr lang="en-US" altLang="zh-TW" dirty="0" smtClean="0"/>
-              <a:t>Tool : Message Queue</a:t>
-            </a:r>
-            <a:r>
-              <a:rPr lang="en-US" altLang="zh-TW" dirty="0" smtClean="0">
-                <a:solidFill>
-                  <a:srgbClr val="FFC000"/>
-                </a:solidFill>
-              </a:rPr>
-              <a:t> (TBD…)</a:t>
-            </a:r>
-            <a:endParaRPr lang="en-US" altLang="zh-TW" dirty="0" smtClean="0"/>
-          </a:p>
-          <a:p>
-            <a:r>
-              <a:rPr lang="en-US" altLang="zh-TW" dirty="0" smtClean="0"/>
-              <a:t>Tool : </a:t>
-            </a:r>
-            <a:r>
-              <a:rPr lang="en-US" altLang="zh-TW" dirty="0" err="1" smtClean="0"/>
-              <a:t>Serverless</a:t>
-            </a:r>
-            <a:r>
-              <a:rPr lang="en-US" altLang="zh-TW" dirty="0" smtClean="0"/>
-              <a:t> Service </a:t>
-            </a:r>
-            <a:r>
-              <a:rPr lang="en-US" altLang="zh-TW" dirty="0" smtClean="0">
-                <a:solidFill>
-                  <a:srgbClr val="FFC000"/>
-                </a:solidFill>
-              </a:rPr>
-              <a:t>(TBD…)</a:t>
-            </a:r>
-            <a:endParaRPr lang="zh-TW" altLang="en-US" dirty="0">
-              <a:solidFill>
-                <a:srgbClr val="FFC000"/>
-              </a:solidFill>
-            </a:endParaRPr>
-          </a:p>
-        </p:txBody>
-      </p:sp>
-      <p:sp>
-        <p:nvSpPr>
-          <p:cNvPr id="4" name="標題 1"/>
-          <p:cNvSpPr>
-            <a:spLocks noGrp="1"/>
-          </p:cNvSpPr>
-          <p:nvPr>
-            <p:ph type="title"/>
-          </p:nvPr>
-        </p:nvSpPr>
-        <p:spPr>
-          <a:xfrm>
-            <a:off x="457200" y="274638"/>
-            <a:ext cx="8229600" cy="706090"/>
-          </a:xfrm>
-        </p:spPr>
-        <p:txBody>
-          <a:bodyPr>
-            <a:normAutofit fontScale="90000"/>
-          </a:bodyPr>
-          <a:lstStyle/>
-          <a:p>
-            <a:r>
-              <a:rPr lang="en-US" altLang="zh-TW" dirty="0" smtClean="0"/>
-              <a:t>Agenda</a:t>
-            </a:r>
-            <a:endParaRPr lang="zh-TW" altLang="en-US" dirty="0"/>
-          </a:p>
-        </p:txBody>
-      </p:sp>
-    </p:spTree>
-  </p:cSld>
-  <p:clrMapOvr>
-    <a:masterClrMapping/>
-  </p:clrMapOvr>
-  <p:timing>
-    <p:tnLst>
-      <p:par>
-        <p:cTn id="1" dur="indefinite" restart="never" nodeType="tmRoot"/>
-      </p:par>
-    </p:tnLst>
-  </p:timing>
-</p:sld>
-</file>
-
-<file path=ppt/slides/slide20.xml><?xml version="1.0" encoding="utf-8"?>
-<p:sld xmlns:a="http://schemas.openxmlformats.org/drawingml/2006/main" xmlns:r="http://schemas.openxmlformats.org/officeDocument/2006/relationships" xmlns:p="http://schemas.openxmlformats.org/presentationml/2006/main">
-  <p:cSld>
-    <p:spTree>
-      <p:nvGrpSpPr>
-        <p:cNvPr id="1" name=""/>
-        <p:cNvGrpSpPr/>
-        <p:nvPr/>
-      </p:nvGrpSpPr>
-      <p:grpSpPr>
-        <a:xfrm>
-          <a:off x="0" y="0"/>
-          <a:ext cx="0" cy="0"/>
-          <a:chOff x="0" y="0"/>
-          <a:chExt cx="0" cy="0"/>
-        </a:xfrm>
-      </p:grpSpPr>
-      <p:sp>
-        <p:nvSpPr>
-          <p:cNvPr id="2" name="標題 1"/>
-          <p:cNvSpPr>
-            <a:spLocks noGrp="1"/>
-          </p:cNvSpPr>
-          <p:nvPr>
-            <p:ph type="title"/>
-          </p:nvPr>
-        </p:nvSpPr>
-        <p:spPr/>
-        <p:txBody>
-          <a:bodyPr/>
-          <a:lstStyle/>
-          <a:p>
-            <a:r>
-              <a:rPr lang="en-US" altLang="zh-TW" dirty="0" smtClean="0"/>
-              <a:t>Ref.</a:t>
-            </a:r>
-            <a:endParaRPr lang="zh-TW" altLang="en-US" dirty="0"/>
-          </a:p>
-        </p:txBody>
-      </p:sp>
-      <p:sp>
-        <p:nvSpPr>
-          <p:cNvPr id="3" name="內容版面配置區 2"/>
-          <p:cNvSpPr>
-            <a:spLocks noGrp="1"/>
-          </p:cNvSpPr>
-          <p:nvPr>
-            <p:ph idx="1"/>
-          </p:nvPr>
-        </p:nvSpPr>
-        <p:spPr/>
-        <p:txBody>
-          <a:bodyPr>
-            <a:normAutofit fontScale="77500" lnSpcReduction="20000"/>
+            <a:normAutofit fontScale="70000" lnSpcReduction="20000"/>
           </a:bodyPr>
           <a:lstStyle/>
           <a:p>
@@ -6219,7 +7590,22 @@
               <a:rPr lang="en-US" altLang="zh-TW" dirty="0" smtClean="0">
                 <a:hlinkClick r:id="rId7"/>
               </a:rPr>
-              <a:t>https://redis.io/</a:t>
+              <a:t>https://redis.io</a:t>
+            </a:r>
+            <a:r>
+              <a:rPr lang="en-US" altLang="zh-TW" dirty="0" smtClean="0">
+                <a:hlinkClick r:id="rId7"/>
+              </a:rPr>
+              <a:t>/</a:t>
+            </a:r>
+            <a:endParaRPr lang="en-US" altLang="zh-TW" dirty="0" smtClean="0"/>
+          </a:p>
+          <a:p>
+            <a:r>
+              <a:rPr lang="en-US" altLang="zh-TW" dirty="0" smtClean="0">
+                <a:hlinkClick r:id="rId8"/>
+              </a:rPr>
+              <a:t>https://redis.io/topics/benchmarks</a:t>
             </a:r>
             <a:endParaRPr lang="en-US" altLang="zh-TW" dirty="0" smtClean="0"/>
           </a:p>
@@ -6439,15 +7825,25 @@
             <a:pPr lvl="1"/>
             <a:r>
               <a:rPr lang="en-US" altLang="zh-TW" dirty="0" smtClean="0"/>
-              <a:t>Source Code</a:t>
-            </a:r>
+              <a:t>Source </a:t>
+            </a:r>
+            <a:r>
+              <a:rPr lang="en-US" altLang="zh-TW" dirty="0" smtClean="0"/>
+              <a:t>Code =&gt; Monolithic</a:t>
+            </a:r>
+            <a:endParaRPr lang="en-US" altLang="zh-TW" dirty="0" smtClean="0"/>
           </a:p>
           <a:p>
             <a:pPr lvl="1"/>
             <a:r>
               <a:rPr lang="en-US" altLang="zh-TW" dirty="0" smtClean="0"/>
-              <a:t>Binary Code</a:t>
-            </a:r>
+              <a:t>Binary </a:t>
+            </a:r>
+            <a:r>
+              <a:rPr lang="en-US" altLang="zh-TW" dirty="0" smtClean="0"/>
+              <a:t>Code</a:t>
+            </a:r>
+            <a:endParaRPr lang="en-US" altLang="zh-TW" dirty="0" smtClean="0"/>
           </a:p>
           <a:p>
             <a:pPr lvl="1"/>
@@ -6492,9 +7888,57 @@
             <a:pPr lvl="1"/>
             <a:r>
               <a:rPr lang="en-US" altLang="zh-TW" dirty="0" smtClean="0"/>
-              <a:t>Scale-Up vs. Scale-Out</a:t>
-            </a:r>
-            <a:endParaRPr lang="en-US" altLang="zh-TW" dirty="0"/>
+              <a:t>Simple vs</a:t>
+            </a:r>
+            <a:r>
+              <a:rPr lang="en-US" altLang="zh-TW" dirty="0" smtClean="0"/>
+              <a:t>. </a:t>
+            </a:r>
+            <a:r>
+              <a:rPr lang="en-US" altLang="zh-TW" dirty="0" smtClean="0">
+                <a:solidFill>
+                  <a:srgbClr val="FF0000"/>
+                </a:solidFill>
+              </a:rPr>
+              <a:t>C</a:t>
+            </a:r>
+            <a:r>
+              <a:rPr lang="en-US" altLang="zh-TW" dirty="0" smtClean="0">
+                <a:solidFill>
+                  <a:srgbClr val="FF0000"/>
+                </a:solidFill>
+              </a:rPr>
+              <a:t>omplex</a:t>
+            </a:r>
+            <a:endParaRPr lang="en-US" altLang="zh-TW" dirty="0" smtClean="0">
+              <a:solidFill>
+                <a:srgbClr val="FF0000"/>
+              </a:solidFill>
+            </a:endParaRPr>
+          </a:p>
+          <a:p>
+            <a:pPr lvl="1"/>
+            <a:r>
+              <a:rPr lang="en-US" altLang="zh-TW" dirty="0" smtClean="0"/>
+              <a:t>Scale-Up </a:t>
+            </a:r>
+            <a:r>
+              <a:rPr lang="en-US" altLang="zh-TW" dirty="0" smtClean="0"/>
+              <a:t>vs. </a:t>
+            </a:r>
+            <a:r>
+              <a:rPr lang="en-US" altLang="zh-TW" dirty="0" smtClean="0">
+                <a:solidFill>
+                  <a:srgbClr val="FF0000"/>
+                </a:solidFill>
+              </a:rPr>
+              <a:t>Scale-Out</a:t>
+            </a:r>
+            <a:endParaRPr lang="en-US" altLang="zh-TW" dirty="0">
+              <a:solidFill>
+                <a:srgbClr val="FF0000"/>
+              </a:solidFill>
+            </a:endParaRPr>
           </a:p>
           <a:p>
             <a:pPr lvl="1"/>
@@ -6917,7 +8361,7 @@
           </p:nvPr>
         </p:nvPicPr>
         <p:blipFill>
-          <a:blip r:embed="rId2" cstate="print"/>
+          <a:blip r:embed="rId3" cstate="print"/>
           <a:stretch>
             <a:fillRect/>
           </a:stretch>
